--- a/7_n8n/7_n8n.pptx
+++ b/7_n8n/7_n8n.pptx
@@ -11,15 +11,24 @@
     <p:sldId id="644" r:id="rId5"/>
     <p:sldId id="645" r:id="rId6"/>
     <p:sldId id="728" r:id="rId7"/>
-    <p:sldId id="730" r:id="rId8"/>
-    <p:sldId id="729" r:id="rId9"/>
-    <p:sldId id="731" r:id="rId10"/>
-    <p:sldId id="732" r:id="rId11"/>
-    <p:sldId id="739" r:id="rId12"/>
-    <p:sldId id="740" r:id="rId13"/>
-    <p:sldId id="643" r:id="rId14"/>
-    <p:sldId id="646" r:id="rId15"/>
-    <p:sldId id="647" r:id="rId16"/>
+    <p:sldId id="732" r:id="rId8"/>
+    <p:sldId id="739" r:id="rId9"/>
+    <p:sldId id="740" r:id="rId10"/>
+    <p:sldId id="781" r:id="rId11"/>
+    <p:sldId id="782" r:id="rId12"/>
+    <p:sldId id="783" r:id="rId13"/>
+    <p:sldId id="792" r:id="rId14"/>
+    <p:sldId id="784" r:id="rId15"/>
+    <p:sldId id="785" r:id="rId16"/>
+    <p:sldId id="786" r:id="rId17"/>
+    <p:sldId id="787" r:id="rId18"/>
+    <p:sldId id="788" r:id="rId19"/>
+    <p:sldId id="789" r:id="rId20"/>
+    <p:sldId id="790" r:id="rId21"/>
+    <p:sldId id="791" r:id="rId22"/>
+    <p:sldId id="643" r:id="rId23"/>
+    <p:sldId id="646" r:id="rId24"/>
+    <p:sldId id="647" r:id="rId25"/>
   </p:sldIdLst>
   <p:sldSz cx="12192000" cy="6858000"/>
   <p:notesSz cx="6858000" cy="9144000"/>
@@ -118,6 +127,11 @@
       </a:defRPr>
     </a:lvl9pPr>
   </p:defaultTextStyle>
+  <p:extLst>
+    <p:ext uri="{EFAFB233-063F-42B5-8137-9DF3F51BA10A}">
+      <p15:sldGuideLst xmlns:p15="http://schemas.microsoft.com/office/powerpoint/2012/main"/>
+    </p:ext>
+  </p:extLst>
 </p:presentation>
 </file>
 
@@ -270,7 +284,7 @@
           <a:p>
             <a:fld id="{B4D10225-F219-4FD2-B957-BE29A5D11EFA}" type="datetimeFigureOut">
               <a:rPr lang="en-GB" smtClean="0"/>
-              <a:t>18/11/2025</a:t>
+              <a:t>28/11/2025</a:t>
             </a:fld>
             <a:endParaRPr lang="en-GB"/>
           </a:p>
@@ -470,7 +484,7 @@
           <a:p>
             <a:fld id="{B4D10225-F219-4FD2-B957-BE29A5D11EFA}" type="datetimeFigureOut">
               <a:rPr lang="en-GB" smtClean="0"/>
-              <a:t>18/11/2025</a:t>
+              <a:t>28/11/2025</a:t>
             </a:fld>
             <a:endParaRPr lang="en-GB"/>
           </a:p>
@@ -680,7 +694,7 @@
           <a:p>
             <a:fld id="{B4D10225-F219-4FD2-B957-BE29A5D11EFA}" type="datetimeFigureOut">
               <a:rPr lang="en-GB" smtClean="0"/>
-              <a:t>18/11/2025</a:t>
+              <a:t>28/11/2025</a:t>
             </a:fld>
             <a:endParaRPr lang="en-GB"/>
           </a:p>
@@ -880,7 +894,7 @@
           <a:p>
             <a:fld id="{B4D10225-F219-4FD2-B957-BE29A5D11EFA}" type="datetimeFigureOut">
               <a:rPr lang="en-GB" smtClean="0"/>
-              <a:t>18/11/2025</a:t>
+              <a:t>28/11/2025</a:t>
             </a:fld>
             <a:endParaRPr lang="en-GB"/>
           </a:p>
@@ -1156,7 +1170,7 @@
           <a:p>
             <a:fld id="{B4D10225-F219-4FD2-B957-BE29A5D11EFA}" type="datetimeFigureOut">
               <a:rPr lang="en-GB" smtClean="0"/>
-              <a:t>18/11/2025</a:t>
+              <a:t>28/11/2025</a:t>
             </a:fld>
             <a:endParaRPr lang="en-GB"/>
           </a:p>
@@ -1424,7 +1438,7 @@
           <a:p>
             <a:fld id="{B4D10225-F219-4FD2-B957-BE29A5D11EFA}" type="datetimeFigureOut">
               <a:rPr lang="en-GB" smtClean="0"/>
-              <a:t>18/11/2025</a:t>
+              <a:t>28/11/2025</a:t>
             </a:fld>
             <a:endParaRPr lang="en-GB"/>
           </a:p>
@@ -1839,7 +1853,7 @@
           <a:p>
             <a:fld id="{B4D10225-F219-4FD2-B957-BE29A5D11EFA}" type="datetimeFigureOut">
               <a:rPr lang="en-GB" smtClean="0"/>
-              <a:t>18/11/2025</a:t>
+              <a:t>28/11/2025</a:t>
             </a:fld>
             <a:endParaRPr lang="en-GB"/>
           </a:p>
@@ -1981,7 +1995,7 @@
           <a:p>
             <a:fld id="{B4D10225-F219-4FD2-B957-BE29A5D11EFA}" type="datetimeFigureOut">
               <a:rPr lang="en-GB" smtClean="0"/>
-              <a:t>18/11/2025</a:t>
+              <a:t>28/11/2025</a:t>
             </a:fld>
             <a:endParaRPr lang="en-GB"/>
           </a:p>
@@ -2094,7 +2108,7 @@
           <a:p>
             <a:fld id="{B4D10225-F219-4FD2-B957-BE29A5D11EFA}" type="datetimeFigureOut">
               <a:rPr lang="en-GB" smtClean="0"/>
-              <a:t>18/11/2025</a:t>
+              <a:t>28/11/2025</a:t>
             </a:fld>
             <a:endParaRPr lang="en-GB"/>
           </a:p>
@@ -2407,7 +2421,7 @@
           <a:p>
             <a:fld id="{B4D10225-F219-4FD2-B957-BE29A5D11EFA}" type="datetimeFigureOut">
               <a:rPr lang="en-GB" smtClean="0"/>
-              <a:t>18/11/2025</a:t>
+              <a:t>28/11/2025</a:t>
             </a:fld>
             <a:endParaRPr lang="en-GB"/>
           </a:p>
@@ -2696,7 +2710,7 @@
           <a:p>
             <a:fld id="{B4D10225-F219-4FD2-B957-BE29A5D11EFA}" type="datetimeFigureOut">
               <a:rPr lang="en-GB" smtClean="0"/>
-              <a:t>18/11/2025</a:t>
+              <a:t>28/11/2025</a:t>
             </a:fld>
             <a:endParaRPr lang="en-GB"/>
           </a:p>
@@ -2939,7 +2953,7 @@
           <a:p>
             <a:fld id="{B4D10225-F219-4FD2-B957-BE29A5D11EFA}" type="datetimeFigureOut">
               <a:rPr lang="en-GB" smtClean="0"/>
-              <a:t>18/11/2025</a:t>
+              <a:t>28/11/2025</a:t>
             </a:fld>
             <a:endParaRPr lang="en-GB"/>
           </a:p>
@@ -3444,7 +3458,7 @@
           <p:cNvPr id="2" name="Title 1">
             <a:extLst>
               <a:ext uri="{FF2B5EF4-FFF2-40B4-BE49-F238E27FC236}">
-                <a16:creationId xmlns:a16="http://schemas.microsoft.com/office/drawing/2014/main" id="{00A3FABD-6BDF-0D2E-9FD7-376EA827D3E0}"/>
+                <a16:creationId xmlns:a16="http://schemas.microsoft.com/office/drawing/2014/main" id="{75ABBAA3-748E-76FA-0E73-38953EEF3B15}"/>
               </a:ext>
             </a:extLst>
           </p:cNvPr>
@@ -3461,9 +3475,10 @@
           <a:lstStyle/>
           <a:p>
             <a:r>
-              <a:rPr lang="en-IN" noProof="0" dirty="0"/>
-              <a:t>5_read_cheque</a:t>
-            </a:r>
+              <a:rPr lang="en-IN" dirty="0"/>
+              <a:t>5_google_drive_airtable</a:t>
+            </a:r>
+            <a:endParaRPr lang="en-GB" dirty="0"/>
           </a:p>
         </p:txBody>
       </p:sp>
@@ -3472,7 +3487,7 @@
           <p:cNvPr id="3" name="Content Placeholder 2">
             <a:extLst>
               <a:ext uri="{FF2B5EF4-FFF2-40B4-BE49-F238E27FC236}">
-                <a16:creationId xmlns:a16="http://schemas.microsoft.com/office/drawing/2014/main" id="{DF3FD78C-65D6-4D2D-CB5B-E1BFFD11F728}"/>
+                <a16:creationId xmlns:a16="http://schemas.microsoft.com/office/drawing/2014/main" id="{F49E2751-4176-C16F-EAB9-961078659EAC}"/>
               </a:ext>
             </a:extLst>
           </p:cNvPr>
@@ -3483,7 +3498,12 @@
             <p:ph idx="1"/>
           </p:nvPr>
         </p:nvSpPr>
-        <p:spPr/>
+        <p:spPr>
+          <a:xfrm>
+            <a:off x="838200" y="1825625"/>
+            <a:ext cx="7810209" cy="4351338"/>
+          </a:xfrm>
+        </p:spPr>
         <p:txBody>
           <a:bodyPr>
             <a:normAutofit fontScale="92500" lnSpcReduction="10000"/>
@@ -3491,100 +3511,87 @@
           <a:lstStyle/>
           <a:p>
             <a:r>
-              <a:rPr lang="en-IN" noProof="0" dirty="0"/>
-              <a:t>Sign up on </a:t>
-            </a:r>
-            <a:r>
-              <a:rPr lang="en-IN" noProof="0" dirty="0" err="1"/>
+              <a:rPr lang="en-IN" dirty="0"/>
+              <a:t>When a new file is uploaded to google drive, detect it, send by email to a recipient, and save file details (name, ID, creation date, recipient) in </a:t>
+            </a:r>
+            <a:r>
+              <a:rPr lang="en-IN" dirty="0" err="1"/>
               <a:t>airtable</a:t>
             </a:r>
-            <a:endParaRPr lang="en-IN" noProof="0" dirty="0"/>
+            <a:endParaRPr lang="en-IN" dirty="0"/>
           </a:p>
           <a:p>
             <a:r>
               <a:rPr lang="en-IN" dirty="0"/>
-              <a:t>Create a new workspace and name it as n8n</a:t>
-            </a:r>
-          </a:p>
-          <a:p>
-            <a:r>
-              <a:rPr lang="en-IN" noProof="0" dirty="0"/>
-              <a:t>Create a new base (like Database) named </a:t>
-            </a:r>
-            <a:r>
-              <a:rPr lang="en-IN" noProof="0" dirty="0" err="1"/>
-              <a:t>cheques_data</a:t>
-            </a:r>
-            <a:endParaRPr lang="en-IN" noProof="0" dirty="0"/>
+              <a:t>Add Google Drive -&gt; On changes involving a specific folder</a:t>
+            </a:r>
           </a:p>
           <a:p>
             <a:r>
               <a:rPr lang="en-IN" dirty="0"/>
-              <a:t>Open </a:t>
-            </a:r>
-            <a:r>
-              <a:rPr lang="en-IN" dirty="0" err="1"/>
-              <a:t>cheques_data</a:t>
-            </a:r>
+              <a:t>Ensure Google credentials work, then select a folder in the dropdown and Watch for File Created</a:t>
+            </a:r>
+          </a:p>
+          <a:p>
             <a:r>
               <a:rPr lang="en-IN" dirty="0"/>
-              <a:t> and create a table named cheque: Columns id, payer, payee, </a:t>
-            </a:r>
-            <a:r>
-              <a:rPr lang="en-IN" dirty="0" err="1"/>
-              <a:t>cheque_date</a:t>
-            </a:r>
+              <a:t>Then open this directory in Google Drive and add a file</a:t>
+            </a:r>
+          </a:p>
+          <a:p>
             <a:r>
               <a:rPr lang="en-IN" dirty="0"/>
-              <a:t>, amount, bank, raw</a:t>
+              <a:t>In n8n, click on Fetch Test event in Google Drive Trigger screen</a:t>
             </a:r>
           </a:p>
           <a:p>
             <a:r>
               <a:rPr lang="en-IN" dirty="0"/>
-              <a:t>On the n8n Screen, click on your account icon (bottom left) -&gt; Builder hub -&gt; Create token -&gt; name as n8n -&gt; Scopes: </a:t>
-            </a:r>
-            <a:r>
-              <a:rPr lang="en-IN" dirty="0" err="1"/>
-              <a:t>data.records:write</a:t>
-            </a:r>
-            <a:r>
-              <a:rPr lang="en-IN" dirty="0"/>
-              <a:t> and </a:t>
-            </a:r>
-            <a:r>
-              <a:rPr lang="en-IN" dirty="0" err="1"/>
-              <a:t>schema.bases:read</a:t>
-            </a:r>
-            <a:r>
-              <a:rPr lang="en-IN" dirty="0"/>
-              <a:t> -&gt; Access: n8n-cheques_data</a:t>
-            </a:r>
-          </a:p>
-          <a:p>
-            <a:r>
-              <a:rPr lang="en-IN" dirty="0"/>
-              <a:t>Copy the token -&gt; Come back to n8n -&gt; Select n8n -&gt; Create a record -&gt; Add details</a:t>
-            </a:r>
-          </a:p>
-          <a:p>
-            <a:r>
-              <a:rPr lang="en-IN" dirty="0"/>
-              <a:t>See next slide for all screens</a:t>
+              <a:t>It should show the newly added file</a:t>
             </a:r>
           </a:p>
           <a:p>
             <a:endParaRPr lang="en-IN" dirty="0"/>
           </a:p>
           <a:p>
-            <a:endParaRPr lang="en-IN" noProof="0" dirty="0"/>
-          </a:p>
-        </p:txBody>
-      </p:sp>
+            <a:endParaRPr lang="en-GB" dirty="0"/>
+          </a:p>
+        </p:txBody>
+      </p:sp>
+      <p:pic>
+        <p:nvPicPr>
+          <p:cNvPr id="5" name="Picture 4">
+            <a:extLst>
+              <a:ext uri="{FF2B5EF4-FFF2-40B4-BE49-F238E27FC236}">
+                <a16:creationId xmlns:a16="http://schemas.microsoft.com/office/drawing/2014/main" id="{803C2958-FAE8-5921-2CEA-4F49D9E16ABA}"/>
+              </a:ext>
+            </a:extLst>
+          </p:cNvPr>
+          <p:cNvPicPr>
+            <a:picLocks noChangeAspect="1"/>
+          </p:cNvPicPr>
+          <p:nvPr/>
+        </p:nvPicPr>
+        <p:blipFill>
+          <a:blip r:embed="rId2"/>
+          <a:stretch>
+            <a:fillRect/>
+          </a:stretch>
+        </p:blipFill>
+        <p:spPr>
+          <a:xfrm>
+            <a:off x="8808833" y="1454890"/>
+            <a:ext cx="3144238" cy="4722073"/>
+          </a:xfrm>
+          <a:prstGeom prst="rect">
+            <a:avLst/>
+          </a:prstGeom>
+        </p:spPr>
+      </p:pic>
     </p:spTree>
     <p:extLst>
       <p:ext uri="{BB962C8B-B14F-4D97-AF65-F5344CB8AC3E}">
-        <p14:creationId xmlns:p14="http://schemas.microsoft.com/office/powerpoint/2010/main" val="2809453971"/>
+        <p14:creationId xmlns:p14="http://schemas.microsoft.com/office/powerpoint/2010/main" val="3624791002"/>
       </p:ext>
     </p:extLst>
   </p:cSld>
@@ -3599,7 +3606,13 @@
   <p:cSld>
     <p:spTree>
       <p:nvGrpSpPr>
-        <p:cNvPr id="1" name=""/>
+        <p:cNvPr id="1" name="">
+          <a:extLst>
+            <a:ext uri="{FF2B5EF4-FFF2-40B4-BE49-F238E27FC236}">
+              <a16:creationId xmlns:a16="http://schemas.microsoft.com/office/drawing/2014/main" id="{5C1CBA9B-58E2-6F24-F8BC-607B090A63EB}"/>
+            </a:ext>
+          </a:extLst>
+        </p:cNvPr>
         <p:cNvGrpSpPr/>
         <p:nvPr/>
       </p:nvGrpSpPr>
@@ -3616,7 +3629,7 @@
           <p:cNvPr id="2" name="Title 1">
             <a:extLst>
               <a:ext uri="{FF2B5EF4-FFF2-40B4-BE49-F238E27FC236}">
-                <a16:creationId xmlns:a16="http://schemas.microsoft.com/office/drawing/2014/main" id="{D6E2671A-1AFA-2186-F73A-D20D1AE51435}"/>
+                <a16:creationId xmlns:a16="http://schemas.microsoft.com/office/drawing/2014/main" id="{7FC14006-EF7E-38B3-659D-4CE0AE338477}"/>
               </a:ext>
             </a:extLst>
           </p:cNvPr>
@@ -3625,64 +3638,71 @@
           </p:cNvSpPr>
           <p:nvPr>
             <p:ph type="title"/>
+          </p:nvPr>
+        </p:nvSpPr>
+        <p:spPr/>
+        <p:txBody>
+          <a:bodyPr/>
+          <a:lstStyle/>
+          <a:p>
+            <a:r>
+              <a:rPr lang="en-IN" dirty="0"/>
+              <a:t>5_google_drive_airtable</a:t>
+            </a:r>
+            <a:endParaRPr lang="en-GB" dirty="0"/>
+          </a:p>
+        </p:txBody>
+      </p:sp>
+      <p:sp>
+        <p:nvSpPr>
+          <p:cNvPr id="3" name="Content Placeholder 2">
+            <a:extLst>
+              <a:ext uri="{FF2B5EF4-FFF2-40B4-BE49-F238E27FC236}">
+                <a16:creationId xmlns:a16="http://schemas.microsoft.com/office/drawing/2014/main" id="{82A75042-EF70-5B5C-2501-16A202B861AC}"/>
+              </a:ext>
+            </a:extLst>
+          </p:cNvPr>
+          <p:cNvSpPr>
+            <a:spLocks noGrp="1"/>
+          </p:cNvSpPr>
+          <p:nvPr>
+            <p:ph idx="1"/>
           </p:nvPr>
         </p:nvSpPr>
         <p:spPr>
           <a:xfrm>
-            <a:off x="838200" y="63795"/>
-            <a:ext cx="10515600" cy="617241"/>
+            <a:off x="838200" y="1825625"/>
+            <a:ext cx="7810209" cy="4351338"/>
           </a:xfrm>
         </p:spPr>
         <p:txBody>
           <a:bodyPr>
-            <a:normAutofit fontScale="90000"/>
+            <a:normAutofit/>
           </a:bodyPr>
           <a:lstStyle/>
           <a:p>
             <a:r>
               <a:rPr lang="en-IN" dirty="0"/>
-              <a:t>5_read_cheque (JavaScript Code – Next Slide)</a:t>
-            </a:r>
-            <a:endParaRPr lang="en-GB" dirty="0"/>
-          </a:p>
-        </p:txBody>
-      </p:sp>
-      <p:sp>
-        <p:nvSpPr>
-          <p:cNvPr id="3" name="Content Placeholder 2">
-            <a:extLst>
-              <a:ext uri="{FF2B5EF4-FFF2-40B4-BE49-F238E27FC236}">
-                <a16:creationId xmlns:a16="http://schemas.microsoft.com/office/drawing/2014/main" id="{EC60B64D-3CFF-45E9-2385-33477EDBAAA4}"/>
-              </a:ext>
-            </a:extLst>
-          </p:cNvPr>
-          <p:cNvSpPr>
-            <a:spLocks noGrp="1"/>
-          </p:cNvSpPr>
-          <p:nvPr>
-            <p:ph idx="1"/>
-          </p:nvPr>
-        </p:nvSpPr>
-        <p:spPr>
-          <a:xfrm>
-            <a:off x="838200" y="786809"/>
-            <a:ext cx="10515600" cy="5390154"/>
-          </a:xfrm>
-        </p:spPr>
-        <p:txBody>
-          <a:bodyPr/>
-          <a:lstStyle/>
-          <a:p>
-            <a:endParaRPr lang="en-IN" dirty="0"/>
-          </a:p>
-          <a:p>
-            <a:endParaRPr lang="en-IN" dirty="0"/>
-          </a:p>
-          <a:p>
-            <a:endParaRPr lang="en-IN" dirty="0"/>
-          </a:p>
-          <a:p>
-            <a:endParaRPr lang="en-IN" dirty="0"/>
+              <a:t>Add a second Google Drive -&gt; Share file node</a:t>
+            </a:r>
+          </a:p>
+          <a:p>
+            <a:r>
+              <a:rPr lang="en-IN" dirty="0"/>
+              <a:t>In File -&gt; By ID -&gt; Drag the ID of the file from the previous node</a:t>
+            </a:r>
+          </a:p>
+          <a:p>
+            <a:r>
+              <a:rPr lang="en-IN" dirty="0"/>
+              <a:t>Set permissions as shown</a:t>
+            </a:r>
+          </a:p>
+          <a:p>
+            <a:r>
+              <a:rPr lang="en-IN" dirty="0"/>
+              <a:t>Add email id and Execute step to test it</a:t>
+            </a:r>
           </a:p>
           <a:p>
             <a:endParaRPr lang="en-GB" dirty="0"/>
@@ -3691,10 +3711,10 @@
       </p:sp>
       <p:pic>
         <p:nvPicPr>
-          <p:cNvPr id="5" name="Picture 4">
-            <a:extLst>
-              <a:ext uri="{FF2B5EF4-FFF2-40B4-BE49-F238E27FC236}">
-                <a16:creationId xmlns:a16="http://schemas.microsoft.com/office/drawing/2014/main" id="{80B453B9-71DE-10E5-F2E2-7AF2E8117068}"/>
+          <p:cNvPr id="6" name="Picture 5">
+            <a:extLst>
+              <a:ext uri="{FF2B5EF4-FFF2-40B4-BE49-F238E27FC236}">
+                <a16:creationId xmlns:a16="http://schemas.microsoft.com/office/drawing/2014/main" id="{B3C46E29-B515-4B39-BE86-C9E68EBD51E6}"/>
               </a:ext>
             </a:extLst>
           </p:cNvPr>
@@ -3711,128 +3731,8 @@
         </p:blipFill>
         <p:spPr>
           <a:xfrm>
-            <a:off x="127591" y="524212"/>
-            <a:ext cx="12192000" cy="1604285"/>
-          </a:xfrm>
-          <a:prstGeom prst="rect">
-            <a:avLst/>
-          </a:prstGeom>
-        </p:spPr>
-      </p:pic>
-      <p:pic>
-        <p:nvPicPr>
-          <p:cNvPr id="7" name="Picture 6">
-            <a:extLst>
-              <a:ext uri="{FF2B5EF4-FFF2-40B4-BE49-F238E27FC236}">
-                <a16:creationId xmlns:a16="http://schemas.microsoft.com/office/drawing/2014/main" id="{09BF75EF-7639-1AFF-066E-D5DBE84B61AC}"/>
-              </a:ext>
-            </a:extLst>
-          </p:cNvPr>
-          <p:cNvPicPr>
-            <a:picLocks noChangeAspect="1"/>
-          </p:cNvPicPr>
-          <p:nvPr/>
-        </p:nvPicPr>
-        <p:blipFill>
-          <a:blip r:embed="rId3"/>
-          <a:stretch>
-            <a:fillRect/>
-          </a:stretch>
-        </p:blipFill>
-        <p:spPr>
-          <a:xfrm>
-            <a:off x="127591" y="2071301"/>
-            <a:ext cx="2686496" cy="4568455"/>
-          </a:xfrm>
-          <a:prstGeom prst="rect">
-            <a:avLst/>
-          </a:prstGeom>
-        </p:spPr>
-      </p:pic>
-      <p:pic>
-        <p:nvPicPr>
-          <p:cNvPr id="9" name="Picture 8">
-            <a:extLst>
-              <a:ext uri="{FF2B5EF4-FFF2-40B4-BE49-F238E27FC236}">
-                <a16:creationId xmlns:a16="http://schemas.microsoft.com/office/drawing/2014/main" id="{ECC94661-F04D-97CA-8491-7EFA2E282C07}"/>
-              </a:ext>
-            </a:extLst>
-          </p:cNvPr>
-          <p:cNvPicPr>
-            <a:picLocks noChangeAspect="1"/>
-          </p:cNvPicPr>
-          <p:nvPr/>
-        </p:nvPicPr>
-        <p:blipFill>
-          <a:blip r:embed="rId4"/>
-          <a:stretch>
-            <a:fillRect/>
-          </a:stretch>
-        </p:blipFill>
-        <p:spPr>
-          <a:xfrm>
-            <a:off x="2814087" y="2113051"/>
-            <a:ext cx="2991876" cy="4079358"/>
-          </a:xfrm>
-          <a:prstGeom prst="rect">
-            <a:avLst/>
-          </a:prstGeom>
-        </p:spPr>
-      </p:pic>
-      <p:pic>
-        <p:nvPicPr>
-          <p:cNvPr id="11" name="Picture 10">
-            <a:extLst>
-              <a:ext uri="{FF2B5EF4-FFF2-40B4-BE49-F238E27FC236}">
-                <a16:creationId xmlns:a16="http://schemas.microsoft.com/office/drawing/2014/main" id="{7EBF85C1-441B-BC00-45CA-C6739A0E8D78}"/>
-              </a:ext>
-            </a:extLst>
-          </p:cNvPr>
-          <p:cNvPicPr>
-            <a:picLocks noChangeAspect="1"/>
-          </p:cNvPicPr>
-          <p:nvPr/>
-        </p:nvPicPr>
-        <p:blipFill>
-          <a:blip r:embed="rId5"/>
-          <a:stretch>
-            <a:fillRect/>
-          </a:stretch>
-        </p:blipFill>
-        <p:spPr>
-          <a:xfrm>
-            <a:off x="5805963" y="2063269"/>
-            <a:ext cx="2597722" cy="4794731"/>
-          </a:xfrm>
-          <a:prstGeom prst="rect">
-            <a:avLst/>
-          </a:prstGeom>
-        </p:spPr>
-      </p:pic>
-      <p:pic>
-        <p:nvPicPr>
-          <p:cNvPr id="13" name="Picture 12">
-            <a:extLst>
-              <a:ext uri="{FF2B5EF4-FFF2-40B4-BE49-F238E27FC236}">
-                <a16:creationId xmlns:a16="http://schemas.microsoft.com/office/drawing/2014/main" id="{9906615A-2ACA-3C5F-E76F-398EC5DE0252}"/>
-              </a:ext>
-            </a:extLst>
-          </p:cNvPr>
-          <p:cNvPicPr>
-            <a:picLocks noChangeAspect="1"/>
-          </p:cNvPicPr>
-          <p:nvPr/>
-        </p:nvPicPr>
-        <p:blipFill>
-          <a:blip r:embed="rId6"/>
-          <a:stretch>
-            <a:fillRect/>
-          </a:stretch>
-        </p:blipFill>
-        <p:spPr>
-          <a:xfrm>
-            <a:off x="8870106" y="2128497"/>
-            <a:ext cx="2891470" cy="5044584"/>
+            <a:off x="8257271" y="188307"/>
+            <a:ext cx="3778642" cy="6027362"/>
           </a:xfrm>
           <a:prstGeom prst="rect">
             <a:avLst/>
@@ -3842,7 +3742,7 @@
     </p:spTree>
     <p:extLst>
       <p:ext uri="{BB962C8B-B14F-4D97-AF65-F5344CB8AC3E}">
-        <p14:creationId xmlns:p14="http://schemas.microsoft.com/office/powerpoint/2010/main" val="3055342878"/>
+        <p14:creationId xmlns:p14="http://schemas.microsoft.com/office/powerpoint/2010/main" val="3614429659"/>
       </p:ext>
     </p:extLst>
   </p:cSld>
@@ -3857,7 +3757,13 @@
   <p:cSld>
     <p:spTree>
       <p:nvGrpSpPr>
-        <p:cNvPr id="1" name=""/>
+        <p:cNvPr id="1" name="">
+          <a:extLst>
+            <a:ext uri="{FF2B5EF4-FFF2-40B4-BE49-F238E27FC236}">
+              <a16:creationId xmlns:a16="http://schemas.microsoft.com/office/drawing/2014/main" id="{4EDB7CBA-0F94-7EFE-191E-04FC363D7322}"/>
+            </a:ext>
+          </a:extLst>
+        </p:cNvPr>
         <p:cNvGrpSpPr/>
         <p:nvPr/>
       </p:nvGrpSpPr>
@@ -3874,7 +3780,7 @@
           <p:cNvPr id="2" name="Title 1">
             <a:extLst>
               <a:ext uri="{FF2B5EF4-FFF2-40B4-BE49-F238E27FC236}">
-                <a16:creationId xmlns:a16="http://schemas.microsoft.com/office/drawing/2014/main" id="{89237E94-D5FF-630D-4C21-227236906CC2}"/>
+                <a16:creationId xmlns:a16="http://schemas.microsoft.com/office/drawing/2014/main" id="{12F729A9-5510-298C-C07D-CFCAEF890F50}"/>
               </a:ext>
             </a:extLst>
           </p:cNvPr>
@@ -3892,7 +3798,7 @@
           <a:p>
             <a:r>
               <a:rPr lang="en-IN" dirty="0"/>
-              <a:t>5_cheque</a:t>
+              <a:t>5_google_sheet_airtable</a:t>
             </a:r>
             <a:endParaRPr lang="en-GB" dirty="0"/>
           </a:p>
@@ -3903,7 +3809,7 @@
           <p:cNvPr id="3" name="Content Placeholder 2">
             <a:extLst>
               <a:ext uri="{FF2B5EF4-FFF2-40B4-BE49-F238E27FC236}">
-                <a16:creationId xmlns:a16="http://schemas.microsoft.com/office/drawing/2014/main" id="{6DE10A63-1393-65CD-3CA4-116026273C6B}"/>
+                <a16:creationId xmlns:a16="http://schemas.microsoft.com/office/drawing/2014/main" id="{76F509A4-FCF3-8C1A-B228-5EDBEF5EA1E8}"/>
               </a:ext>
             </a:extLst>
           </p:cNvPr>
@@ -3914,665 +3820,126 @@
             <p:ph idx="1"/>
           </p:nvPr>
         </p:nvSpPr>
-        <p:spPr/>
+        <p:spPr>
+          <a:xfrm>
+            <a:off x="838200" y="1825625"/>
+            <a:ext cx="7810209" cy="4351338"/>
+          </a:xfrm>
+        </p:spPr>
         <p:txBody>
           <a:bodyPr>
-            <a:normAutofit fontScale="25000" lnSpcReduction="20000"/>
+            <a:normAutofit/>
           </a:bodyPr>
           <a:lstStyle/>
           <a:p>
             <a:r>
-              <a:rPr lang="en-GB" dirty="0"/>
-              <a:t>// -------------------------------------------</a:t>
-            </a:r>
-          </a:p>
-          <a:p>
-            <a:r>
-              <a:rPr lang="en-GB" dirty="0"/>
-              <a:t>// 1. READ TEXT FROM YOUR JSON STRUCTURE</a:t>
-            </a:r>
-          </a:p>
-          <a:p>
-            <a:r>
-              <a:rPr lang="en-GB" dirty="0"/>
-              <a:t>// -------------------------------------------</a:t>
-            </a:r>
-          </a:p>
-          <a:p>
-            <a:r>
-              <a:rPr lang="en-GB" dirty="0" err="1"/>
-              <a:t>const</a:t>
-            </a:r>
-            <a:r>
-              <a:rPr lang="en-GB" dirty="0"/>
-              <a:t> text =</a:t>
-            </a:r>
-          </a:p>
-          <a:p>
-            <a:r>
-              <a:rPr lang="en-GB" dirty="0"/>
-              <a:t>  item.</a:t>
-            </a:r>
-            <a:r>
-              <a:rPr lang="en-GB" dirty="0" err="1"/>
-              <a:t>json</a:t>
-            </a:r>
-            <a:r>
-              <a:rPr lang="en-GB" dirty="0"/>
-              <a:t>?.candidates?.[0]?.</a:t>
-            </a:r>
-            <a:r>
-              <a:rPr lang="en-GB" dirty="0" err="1"/>
-              <a:t>content?.parts</a:t>
-            </a:r>
-            <a:r>
-              <a:rPr lang="en-GB" dirty="0"/>
-              <a:t>?.[0]?.text || "";</a:t>
-            </a:r>
+              <a:rPr lang="en-IN" dirty="0"/>
+              <a:t>In </a:t>
+            </a:r>
+            <a:r>
+              <a:rPr lang="en-IN" dirty="0" err="1"/>
+              <a:t>Airtable</a:t>
+            </a:r>
+            <a:r>
+              <a:rPr lang="en-IN" dirty="0"/>
+              <a:t>, create a new table containing two columns</a:t>
+            </a:r>
+          </a:p>
+          <a:p>
+            <a:r>
+              <a:rPr lang="en-IN" dirty="0"/>
+              <a:t>N8n: Add </a:t>
+            </a:r>
+            <a:r>
+              <a:rPr lang="en-IN" dirty="0" err="1"/>
+              <a:t>Airtable</a:t>
+            </a:r>
+            <a:r>
+              <a:rPr lang="en-IN" dirty="0"/>
+              <a:t> -&gt; Add a record</a:t>
+            </a:r>
+          </a:p>
+          <a:p>
+            <a:r>
+              <a:rPr lang="en-IN" dirty="0"/>
+              <a:t>Map columns and test</a:t>
+            </a:r>
+          </a:p>
+          <a:p>
+            <a:endParaRPr lang="en-IN" dirty="0"/>
+          </a:p>
+          <a:p>
+            <a:endParaRPr lang="en-IN" dirty="0"/>
           </a:p>
           <a:p>
             <a:endParaRPr lang="en-GB" dirty="0"/>
           </a:p>
-          <a:p>
-            <a:r>
-              <a:rPr lang="en-GB" dirty="0"/>
-              <a:t>// -------------------------------------------</a:t>
-            </a:r>
-          </a:p>
-          <a:p>
-            <a:r>
-              <a:rPr lang="en-GB" dirty="0"/>
-              <a:t>// 2. SPLIT INTO LINES</a:t>
-            </a:r>
-          </a:p>
-          <a:p>
-            <a:r>
-              <a:rPr lang="en-GB" dirty="0"/>
-              <a:t>// -------------------------------------------</a:t>
-            </a:r>
-          </a:p>
-          <a:p>
-            <a:r>
-              <a:rPr lang="en-GB" dirty="0" err="1"/>
-              <a:t>const</a:t>
-            </a:r>
-            <a:r>
-              <a:rPr lang="en-GB" dirty="0"/>
-              <a:t> lines = </a:t>
-            </a:r>
-            <a:r>
-              <a:rPr lang="en-GB" dirty="0" err="1"/>
-              <a:t>text.split</a:t>
-            </a:r>
-            <a:r>
-              <a:rPr lang="en-GB" dirty="0"/>
-              <a:t>("\n");</a:t>
-            </a:r>
-          </a:p>
-          <a:p>
-            <a:endParaRPr lang="en-GB" dirty="0"/>
-          </a:p>
-          <a:p>
-            <a:r>
-              <a:rPr lang="en-GB" dirty="0"/>
-              <a:t>function </a:t>
-            </a:r>
-            <a:r>
-              <a:rPr lang="en-GB" dirty="0" err="1"/>
-              <a:t>getValue</a:t>
-            </a:r>
-            <a:r>
-              <a:rPr lang="en-GB" dirty="0"/>
-              <a:t>(label) {</a:t>
-            </a:r>
-          </a:p>
-          <a:p>
-            <a:r>
-              <a:rPr lang="en-GB" dirty="0"/>
-              <a:t>  </a:t>
-            </a:r>
-            <a:r>
-              <a:rPr lang="en-GB" dirty="0" err="1"/>
-              <a:t>const</a:t>
-            </a:r>
-            <a:r>
-              <a:rPr lang="en-GB" dirty="0"/>
-              <a:t> line = </a:t>
-            </a:r>
-            <a:r>
-              <a:rPr lang="en-GB" dirty="0" err="1"/>
-              <a:t>lines.find</a:t>
-            </a:r>
-            <a:r>
-              <a:rPr lang="en-GB" dirty="0"/>
-              <a:t>(</a:t>
-            </a:r>
-          </a:p>
-          <a:p>
-            <a:r>
-              <a:rPr lang="en-GB" dirty="0"/>
-              <a:t>    l =&gt; </a:t>
-            </a:r>
-            <a:r>
-              <a:rPr lang="en-GB" dirty="0" err="1"/>
-              <a:t>l.toLowerCase</a:t>
-            </a:r>
-            <a:r>
-              <a:rPr lang="en-GB" dirty="0"/>
-              <a:t>().</a:t>
-            </a:r>
-            <a:r>
-              <a:rPr lang="en-GB" dirty="0" err="1"/>
-              <a:t>startsWith</a:t>
-            </a:r>
-            <a:r>
-              <a:rPr lang="en-GB" dirty="0"/>
-              <a:t>(</a:t>
-            </a:r>
-            <a:r>
-              <a:rPr lang="en-GB" dirty="0" err="1"/>
-              <a:t>label.toLowerCase</a:t>
-            </a:r>
-            <a:r>
-              <a:rPr lang="en-GB" dirty="0"/>
-              <a:t>())</a:t>
-            </a:r>
-          </a:p>
-          <a:p>
-            <a:r>
-              <a:rPr lang="en-GB" dirty="0"/>
-              <a:t>  );</a:t>
-            </a:r>
-          </a:p>
-          <a:p>
-            <a:r>
-              <a:rPr lang="en-GB" dirty="0"/>
-              <a:t>  if (!line) return "";</a:t>
-            </a:r>
-          </a:p>
-          <a:p>
-            <a:r>
-              <a:rPr lang="en-GB" dirty="0"/>
-              <a:t>  return </a:t>
-            </a:r>
-            <a:r>
-              <a:rPr lang="en-GB" dirty="0" err="1"/>
-              <a:t>line.split</a:t>
-            </a:r>
-            <a:r>
-              <a:rPr lang="en-GB" dirty="0"/>
-              <a:t>(":")[1].trim();</a:t>
-            </a:r>
-          </a:p>
-          <a:p>
-            <a:r>
-              <a:rPr lang="en-GB" dirty="0"/>
-              <a:t>}</a:t>
-            </a:r>
-          </a:p>
-          <a:p>
-            <a:endParaRPr lang="en-GB" dirty="0"/>
-          </a:p>
-          <a:p>
-            <a:r>
-              <a:rPr lang="en-GB" dirty="0"/>
-              <a:t>// -------------------------------------------</a:t>
-            </a:r>
-          </a:p>
-          <a:p>
-            <a:r>
-              <a:rPr lang="en-GB" dirty="0"/>
-              <a:t>// 3. EXTRACT FIELDS</a:t>
-            </a:r>
-          </a:p>
-          <a:p>
-            <a:r>
-              <a:rPr lang="en-GB" dirty="0"/>
-              <a:t>// -------------------------------------------</a:t>
-            </a:r>
-          </a:p>
-          <a:p>
-            <a:r>
-              <a:rPr lang="en-GB" dirty="0" err="1"/>
-              <a:t>const</a:t>
-            </a:r>
-            <a:r>
-              <a:rPr lang="en-GB" dirty="0"/>
-              <a:t> payer = </a:t>
-            </a:r>
-            <a:r>
-              <a:rPr lang="en-GB" dirty="0" err="1"/>
-              <a:t>getValue</a:t>
-            </a:r>
-            <a:r>
-              <a:rPr lang="en-GB" dirty="0"/>
-              <a:t>("Payer name");</a:t>
-            </a:r>
-          </a:p>
-          <a:p>
-            <a:r>
-              <a:rPr lang="en-GB" dirty="0" err="1"/>
-              <a:t>const</a:t>
-            </a:r>
-            <a:r>
-              <a:rPr lang="en-GB" dirty="0"/>
-              <a:t> payee = </a:t>
-            </a:r>
-            <a:r>
-              <a:rPr lang="en-GB" dirty="0" err="1"/>
-              <a:t>getValue</a:t>
-            </a:r>
-            <a:r>
-              <a:rPr lang="en-GB" dirty="0"/>
-              <a:t>("Payee name");</a:t>
-            </a:r>
-          </a:p>
-          <a:p>
-            <a:endParaRPr lang="en-GB" dirty="0"/>
-          </a:p>
-          <a:p>
-            <a:r>
-              <a:rPr lang="en-GB" dirty="0"/>
-              <a:t>// Amount</a:t>
-            </a:r>
-          </a:p>
-          <a:p>
-            <a:r>
-              <a:rPr lang="en-GB" dirty="0"/>
-              <a:t>let </a:t>
-            </a:r>
-            <a:r>
-              <a:rPr lang="en-GB" dirty="0" err="1"/>
-              <a:t>amountRaw</a:t>
-            </a:r>
-            <a:r>
-              <a:rPr lang="en-GB" dirty="0"/>
-              <a:t> = </a:t>
-            </a:r>
-            <a:r>
-              <a:rPr lang="en-GB" dirty="0" err="1"/>
-              <a:t>getValue</a:t>
-            </a:r>
-            <a:r>
-              <a:rPr lang="en-GB" dirty="0"/>
-              <a:t>("Amount");</a:t>
-            </a:r>
-          </a:p>
-          <a:p>
-            <a:r>
-              <a:rPr lang="en-GB" dirty="0"/>
-              <a:t>let amount = null;</a:t>
-            </a:r>
-          </a:p>
-          <a:p>
-            <a:r>
-              <a:rPr lang="en-GB" dirty="0"/>
-              <a:t>if (</a:t>
-            </a:r>
-            <a:r>
-              <a:rPr lang="en-GB" dirty="0" err="1"/>
-              <a:t>amountRaw</a:t>
-            </a:r>
-            <a:r>
-              <a:rPr lang="en-GB" dirty="0"/>
-              <a:t>) {</a:t>
-            </a:r>
-          </a:p>
-          <a:p>
-            <a:r>
-              <a:rPr lang="en-GB" dirty="0"/>
-              <a:t>  amount = </a:t>
-            </a:r>
-            <a:r>
-              <a:rPr lang="en-GB" dirty="0" err="1"/>
-              <a:t>parseFloat</a:t>
-            </a:r>
-            <a:r>
-              <a:rPr lang="en-GB" dirty="0"/>
-              <a:t>(</a:t>
-            </a:r>
-            <a:r>
-              <a:rPr lang="en-GB" dirty="0" err="1"/>
-              <a:t>amountRaw.replace</a:t>
-            </a:r>
-            <a:r>
-              <a:rPr lang="en-GB" dirty="0"/>
-              <a:t>(/,/g, "").trim());</a:t>
-            </a:r>
-          </a:p>
-          <a:p>
-            <a:r>
-              <a:rPr lang="en-GB" dirty="0"/>
-              <a:t>}</a:t>
-            </a:r>
-          </a:p>
-          <a:p>
-            <a:endParaRPr lang="en-GB" dirty="0"/>
-          </a:p>
-          <a:p>
-            <a:r>
-              <a:rPr lang="en-GB" dirty="0"/>
-              <a:t>// -------------------------------------------</a:t>
-            </a:r>
-          </a:p>
-          <a:p>
-            <a:r>
-              <a:rPr lang="en-GB" dirty="0"/>
-              <a:t>// 4. DATE FORMAT FIX</a:t>
-            </a:r>
-          </a:p>
-          <a:p>
-            <a:r>
-              <a:rPr lang="en-GB" dirty="0"/>
-              <a:t>// -------------------------------------------</a:t>
-            </a:r>
-          </a:p>
-          <a:p>
-            <a:r>
-              <a:rPr lang="en-GB" dirty="0"/>
-              <a:t>function </a:t>
-            </a:r>
-            <a:r>
-              <a:rPr lang="en-GB" dirty="0" err="1"/>
-              <a:t>formatDate</a:t>
-            </a:r>
-            <a:r>
-              <a:rPr lang="en-GB" dirty="0"/>
-              <a:t>(d) {</a:t>
-            </a:r>
-          </a:p>
-          <a:p>
-            <a:r>
-              <a:rPr lang="en-GB" dirty="0"/>
-              <a:t>  if (!d) return null;</a:t>
-            </a:r>
-          </a:p>
-          <a:p>
-            <a:endParaRPr lang="en-GB" dirty="0"/>
-          </a:p>
-          <a:p>
-            <a:r>
-              <a:rPr lang="en-GB" dirty="0"/>
-              <a:t>  // Already ISO YYYY-MM-DD</a:t>
-            </a:r>
-          </a:p>
-          <a:p>
-            <a:r>
-              <a:rPr lang="en-GB" dirty="0"/>
-              <a:t>  if (/^\d{4}-\d{2}-\d{2}$/.test(d)) return d;</a:t>
-            </a:r>
-          </a:p>
-          <a:p>
-            <a:endParaRPr lang="en-GB" dirty="0"/>
-          </a:p>
-          <a:p>
-            <a:r>
-              <a:rPr lang="en-GB" dirty="0"/>
-              <a:t>  // DD/MM/YYYY or DD-MM-YYYY</a:t>
-            </a:r>
-          </a:p>
-          <a:p>
-            <a:r>
-              <a:rPr lang="en-GB" dirty="0"/>
-              <a:t>  </a:t>
-            </a:r>
-            <a:r>
-              <a:rPr lang="en-GB" dirty="0" err="1"/>
-              <a:t>const</a:t>
-            </a:r>
-            <a:r>
-              <a:rPr lang="en-GB" dirty="0"/>
-              <a:t> m = </a:t>
-            </a:r>
-            <a:r>
-              <a:rPr lang="en-GB" dirty="0" err="1"/>
-              <a:t>d.match</a:t>
-            </a:r>
-            <a:r>
-              <a:rPr lang="en-GB" dirty="0"/>
-              <a:t>(/(\d{1,2})[\/-](\d{1,2})[\/-](\d{4})/);</a:t>
-            </a:r>
-          </a:p>
-          <a:p>
-            <a:r>
-              <a:rPr lang="en-GB" dirty="0"/>
-              <a:t>  if (m) {</a:t>
-            </a:r>
-          </a:p>
-          <a:p>
-            <a:r>
-              <a:rPr lang="en-GB" dirty="0"/>
-              <a:t>    </a:t>
-            </a:r>
-            <a:r>
-              <a:rPr lang="en-GB" dirty="0" err="1"/>
-              <a:t>const</a:t>
-            </a:r>
-            <a:r>
-              <a:rPr lang="en-GB" dirty="0"/>
-              <a:t> [_, dd, mm, </a:t>
-            </a:r>
-            <a:r>
-              <a:rPr lang="en-GB" dirty="0" err="1"/>
-              <a:t>yy</a:t>
-            </a:r>
-            <a:r>
-              <a:rPr lang="en-GB" dirty="0"/>
-              <a:t>] = m;</a:t>
-            </a:r>
-          </a:p>
-          <a:p>
-            <a:r>
-              <a:rPr lang="en-GB" dirty="0"/>
-              <a:t>    return `${</a:t>
-            </a:r>
-            <a:r>
-              <a:rPr lang="en-GB" dirty="0" err="1"/>
-              <a:t>yy</a:t>
-            </a:r>
-            <a:r>
-              <a:rPr lang="en-GB" dirty="0"/>
-              <a:t>}-${</a:t>
-            </a:r>
-            <a:r>
-              <a:rPr lang="en-GB" dirty="0" err="1"/>
-              <a:t>mm.padStart</a:t>
-            </a:r>
-            <a:r>
-              <a:rPr lang="en-GB" dirty="0"/>
-              <a:t>(2, "0")}-${</a:t>
-            </a:r>
-            <a:r>
-              <a:rPr lang="en-GB" dirty="0" err="1"/>
-              <a:t>dd.padStart</a:t>
-            </a:r>
-            <a:r>
-              <a:rPr lang="en-GB" dirty="0"/>
-              <a:t>(2, "0")}`;</a:t>
-            </a:r>
-          </a:p>
-          <a:p>
-            <a:r>
-              <a:rPr lang="en-GB" dirty="0"/>
-              <a:t>  }</a:t>
-            </a:r>
-          </a:p>
-          <a:p>
-            <a:endParaRPr lang="en-GB" dirty="0"/>
-          </a:p>
-          <a:p>
-            <a:r>
-              <a:rPr lang="en-GB" dirty="0"/>
-              <a:t>  return null;</a:t>
-            </a:r>
-          </a:p>
-          <a:p>
-            <a:r>
-              <a:rPr lang="en-GB" dirty="0"/>
-              <a:t>}</a:t>
-            </a:r>
-          </a:p>
-          <a:p>
-            <a:endParaRPr lang="en-GB" dirty="0"/>
-          </a:p>
-          <a:p>
-            <a:r>
-              <a:rPr lang="en-GB" dirty="0" err="1"/>
-              <a:t>const</a:t>
-            </a:r>
-            <a:r>
-              <a:rPr lang="en-GB" dirty="0"/>
-              <a:t> </a:t>
-            </a:r>
-            <a:r>
-              <a:rPr lang="en-GB" dirty="0" err="1"/>
-              <a:t>cheque_date</a:t>
-            </a:r>
-            <a:r>
-              <a:rPr lang="en-GB" dirty="0"/>
-              <a:t> = </a:t>
-            </a:r>
-            <a:r>
-              <a:rPr lang="en-GB" dirty="0" err="1"/>
-              <a:t>formatDate</a:t>
-            </a:r>
-            <a:r>
-              <a:rPr lang="en-GB" dirty="0"/>
-              <a:t>(</a:t>
-            </a:r>
-            <a:r>
-              <a:rPr lang="en-GB" dirty="0" err="1"/>
-              <a:t>getValue</a:t>
-            </a:r>
-            <a:r>
-              <a:rPr lang="en-GB" dirty="0"/>
-              <a:t>("Date"));</a:t>
-            </a:r>
-          </a:p>
-          <a:p>
-            <a:r>
-              <a:rPr lang="en-GB" dirty="0" err="1"/>
-              <a:t>const</a:t>
-            </a:r>
-            <a:r>
-              <a:rPr lang="en-GB" dirty="0"/>
-              <a:t> bank = </a:t>
-            </a:r>
-            <a:r>
-              <a:rPr lang="en-GB" dirty="0" err="1"/>
-              <a:t>getValue</a:t>
-            </a:r>
-            <a:r>
-              <a:rPr lang="en-GB" dirty="0"/>
-              <a:t>("Bank");</a:t>
-            </a:r>
-          </a:p>
-          <a:p>
-            <a:endParaRPr lang="en-GB" dirty="0"/>
-          </a:p>
-          <a:p>
-            <a:r>
-              <a:rPr lang="en-GB" dirty="0"/>
-              <a:t>// -------------------------------------------</a:t>
-            </a:r>
-          </a:p>
-          <a:p>
-            <a:r>
-              <a:rPr lang="en-GB" dirty="0"/>
-              <a:t>// 5. RETURN CLEAN JSON (ALL FIELDS AT TOP LEVEL)</a:t>
-            </a:r>
-          </a:p>
-          <a:p>
-            <a:r>
-              <a:rPr lang="en-GB" dirty="0"/>
-              <a:t>// -------------------------------------------</a:t>
-            </a:r>
-          </a:p>
-          <a:p>
-            <a:r>
-              <a:rPr lang="en-GB" dirty="0"/>
-              <a:t>return {</a:t>
-            </a:r>
-          </a:p>
-          <a:p>
-            <a:r>
-              <a:rPr lang="en-GB" dirty="0"/>
-              <a:t>  </a:t>
-            </a:r>
-            <a:r>
-              <a:rPr lang="en-GB" dirty="0" err="1"/>
-              <a:t>json</a:t>
-            </a:r>
-            <a:r>
-              <a:rPr lang="en-GB" dirty="0"/>
-              <a:t>: {</a:t>
-            </a:r>
-          </a:p>
-          <a:p>
-            <a:r>
-              <a:rPr lang="en-GB" dirty="0"/>
-              <a:t>    payer,</a:t>
-            </a:r>
-          </a:p>
-          <a:p>
-            <a:r>
-              <a:rPr lang="en-GB" dirty="0"/>
-              <a:t>    payee,</a:t>
-            </a:r>
-          </a:p>
-          <a:p>
-            <a:r>
-              <a:rPr lang="en-GB" dirty="0"/>
-              <a:t>    amount,</a:t>
-            </a:r>
-          </a:p>
-          <a:p>
-            <a:r>
-              <a:rPr lang="en-GB" dirty="0"/>
-              <a:t>    bank,</a:t>
-            </a:r>
-          </a:p>
-          <a:p>
-            <a:r>
-              <a:rPr lang="en-GB" dirty="0"/>
-              <a:t>    </a:t>
-            </a:r>
-            <a:r>
-              <a:rPr lang="en-GB" dirty="0" err="1"/>
-              <a:t>cheque_date</a:t>
-            </a:r>
-            <a:r>
-              <a:rPr lang="en-GB" dirty="0"/>
-              <a:t>,   // date at top level</a:t>
-            </a:r>
-          </a:p>
-          <a:p>
-            <a:r>
-              <a:rPr lang="en-GB" dirty="0"/>
-              <a:t>    raw: text</a:t>
-            </a:r>
-          </a:p>
-          <a:p>
-            <a:r>
-              <a:rPr lang="en-GB" dirty="0"/>
-              <a:t>  }</a:t>
-            </a:r>
-          </a:p>
-          <a:p>
-            <a:r>
-              <a:rPr lang="en-GB" dirty="0"/>
-              <a:t>};</a:t>
-            </a:r>
-          </a:p>
-          <a:p>
-            <a:endParaRPr lang="en-GB" dirty="0"/>
-          </a:p>
-        </p:txBody>
-      </p:sp>
+        </p:txBody>
+      </p:sp>
+      <p:pic>
+        <p:nvPicPr>
+          <p:cNvPr id="8" name="Picture 7">
+            <a:extLst>
+              <a:ext uri="{FF2B5EF4-FFF2-40B4-BE49-F238E27FC236}">
+                <a16:creationId xmlns:a16="http://schemas.microsoft.com/office/drawing/2014/main" id="{451B584C-992A-315B-B4E1-5550FB585A6F}"/>
+              </a:ext>
+            </a:extLst>
+          </p:cNvPr>
+          <p:cNvPicPr>
+            <a:picLocks noChangeAspect="1"/>
+          </p:cNvPicPr>
+          <p:nvPr/>
+        </p:nvPicPr>
+        <p:blipFill>
+          <a:blip r:embed="rId2"/>
+          <a:stretch>
+            <a:fillRect/>
+          </a:stretch>
+        </p:blipFill>
+        <p:spPr>
+          <a:xfrm>
+            <a:off x="6502387" y="1027906"/>
+            <a:ext cx="5410955" cy="533474"/>
+          </a:xfrm>
+          <a:prstGeom prst="rect">
+            <a:avLst/>
+          </a:prstGeom>
+        </p:spPr>
+      </p:pic>
+      <p:pic>
+        <p:nvPicPr>
+          <p:cNvPr id="10" name="Picture 9">
+            <a:extLst>
+              <a:ext uri="{FF2B5EF4-FFF2-40B4-BE49-F238E27FC236}">
+                <a16:creationId xmlns:a16="http://schemas.microsoft.com/office/drawing/2014/main" id="{35B934F1-983D-417A-66A3-E58639CB0197}"/>
+              </a:ext>
+            </a:extLst>
+          </p:cNvPr>
+          <p:cNvPicPr>
+            <a:picLocks noChangeAspect="1"/>
+          </p:cNvPicPr>
+          <p:nvPr/>
+        </p:nvPicPr>
+        <p:blipFill>
+          <a:blip r:embed="rId3"/>
+          <a:stretch>
+            <a:fillRect/>
+          </a:stretch>
+        </p:blipFill>
+        <p:spPr>
+          <a:xfrm>
+            <a:off x="8152834" y="1617905"/>
+            <a:ext cx="3107457" cy="5177274"/>
+          </a:xfrm>
+          <a:prstGeom prst="rect">
+            <a:avLst/>
+          </a:prstGeom>
+        </p:spPr>
+      </p:pic>
     </p:spTree>
     <p:extLst>
       <p:ext uri="{BB962C8B-B14F-4D97-AF65-F5344CB8AC3E}">
-        <p14:creationId xmlns:p14="http://schemas.microsoft.com/office/powerpoint/2010/main" val="3423359509"/>
+        <p14:creationId xmlns:p14="http://schemas.microsoft.com/office/powerpoint/2010/main" val="623531520"/>
       </p:ext>
     </p:extLst>
   </p:cSld>
@@ -4604,7 +3971,7 @@
           <p:cNvPr id="2" name="Title 1">
             <a:extLst>
               <a:ext uri="{FF2B5EF4-FFF2-40B4-BE49-F238E27FC236}">
-                <a16:creationId xmlns:a16="http://schemas.microsoft.com/office/drawing/2014/main" id="{836A1A8F-374E-16A5-8457-A3A99824A863}"/>
+                <a16:creationId xmlns:a16="http://schemas.microsoft.com/office/drawing/2014/main" id="{28B807A3-4FD5-1001-3756-562BEFCB0FC3}"/>
               </a:ext>
             </a:extLst>
           </p:cNvPr>
@@ -4621,9 +3988,10 @@
           <a:lstStyle/>
           <a:p>
             <a:r>
-              <a:rPr lang="en-IN" noProof="0" dirty="0"/>
-              <a:t>Google Credentials Setup</a:t>
-            </a:r>
+              <a:rPr lang="en-IN" dirty="0"/>
+              <a:t>6_client_onboarding_system</a:t>
+            </a:r>
+            <a:endParaRPr lang="en-GB" dirty="0"/>
           </a:p>
         </p:txBody>
       </p:sp>
@@ -4632,7 +4000,7 @@
           <p:cNvPr id="3" name="Content Placeholder 2">
             <a:extLst>
               <a:ext uri="{FF2B5EF4-FFF2-40B4-BE49-F238E27FC236}">
-                <a16:creationId xmlns:a16="http://schemas.microsoft.com/office/drawing/2014/main" id="{DCBC836B-EE28-BAA4-CD93-0C3824FA31AE}"/>
+                <a16:creationId xmlns:a16="http://schemas.microsoft.com/office/drawing/2014/main" id="{B672A629-82CC-3678-5A7F-C0621F0EAA32}"/>
               </a:ext>
             </a:extLst>
           </p:cNvPr>
@@ -4645,84 +4013,46 @@
         </p:nvSpPr>
         <p:spPr/>
         <p:txBody>
-          <a:bodyPr>
-            <a:normAutofit fontScale="70000" lnSpcReduction="20000"/>
-          </a:bodyPr>
-          <a:lstStyle/>
-          <a:p>
-            <a:r>
-              <a:rPr lang="en-IN" noProof="0" dirty="0"/>
-              <a:t>In n8n, on a new workflow screen, search for google drive select Triggers -&gt; On changes involving a specific folder</a:t>
-            </a:r>
-          </a:p>
-          <a:p>
-            <a:r>
-              <a:rPr lang="en-IN" noProof="0" dirty="0"/>
-              <a:t>Credentials to connect with -&gt; Create new credential</a:t>
-            </a:r>
-          </a:p>
-          <a:p>
-            <a:r>
-              <a:rPr lang="en-IN" noProof="0" dirty="0"/>
-              <a:t>In the browser: console.cloud.google.com -&gt; API and services -&gt; Click on My first project -&gt; New project -&gt; Project name: n8ndemo -&gt; Location: Do not change -&gt; Create</a:t>
-            </a:r>
-          </a:p>
-          <a:p>
-            <a:r>
-              <a:rPr lang="en-IN" noProof="0" dirty="0"/>
-              <a:t>Select n8ndemo -&gt; Enable APIs and services -&gt; Google Drive API -&gt; Enable</a:t>
-            </a:r>
-          </a:p>
-          <a:p>
-            <a:r>
-              <a:rPr lang="en-IN" noProof="0" dirty="0"/>
-              <a:t>Credentials -&gt; Create credentials -&gt; OAuth Client ID -&gt; Configure consent screen -&gt; Get started</a:t>
-            </a:r>
-          </a:p>
-          <a:p>
-            <a:r>
-              <a:rPr lang="en-IN" noProof="0" dirty="0"/>
-              <a:t>App name: n8n-app -&gt; Email: Our email id -&gt; Next -&gt; Audience: External -&gt; Next -&gt; Contact information -&gt; Our email id -&gt; Next -&gt; Agree -&gt; Continue -&gt; Create</a:t>
-            </a:r>
-          </a:p>
-          <a:p>
-            <a:r>
-              <a:rPr lang="en-IN" noProof="0" dirty="0"/>
-              <a:t>Audience -&gt; Add users -&gt; Our email id</a:t>
-            </a:r>
-          </a:p>
-          <a:p>
-            <a:r>
-              <a:rPr lang="en-IN" noProof="0" dirty="0"/>
-              <a:t>Clients -&gt; Create client -&gt; Application type: Web application -&gt; Authorized Redirect URIs -&gt; Copy paste from n8n screen -&gt; Create -&gt; Copy client id and Client secret and paste in n8n screen</a:t>
-            </a:r>
-          </a:p>
-          <a:p>
-            <a:r>
-              <a:rPr lang="en-IN" noProof="0" dirty="0"/>
-              <a:t>On the google page -&gt; Search for </a:t>
-            </a:r>
-            <a:r>
-              <a:rPr lang="en-IN" noProof="0" dirty="0" err="1"/>
-              <a:t>gmail</a:t>
-            </a:r>
-            <a:r>
-              <a:rPr lang="en-IN" noProof="0" dirty="0"/>
-              <a:t> -&gt; Enable … Repeat for Sheets, Calendar</a:t>
-            </a:r>
-          </a:p>
-          <a:p>
-            <a:r>
-              <a:rPr lang="en-IN" noProof="0" dirty="0"/>
-              <a:t>Now n8n screen again -&gt; Save and test connection</a:t>
-            </a:r>
+          <a:bodyPr/>
+          <a:lstStyle/>
+          <a:p>
+            <a:r>
+              <a:rPr lang="en-IN" dirty="0"/>
+              <a:t>Objectives:</a:t>
+            </a:r>
+          </a:p>
+          <a:p>
+            <a:pPr lvl="1"/>
+            <a:r>
+              <a:rPr lang="en-IN" dirty="0"/>
+              <a:t>Allow a prospective client to fill an inquiry form</a:t>
+            </a:r>
+          </a:p>
+          <a:p>
+            <a:pPr lvl="1"/>
+            <a:r>
+              <a:rPr lang="en-IN" dirty="0"/>
+              <a:t>Acknowledge the client’s inquiry with an email</a:t>
+            </a:r>
+          </a:p>
+          <a:p>
+            <a:pPr lvl="1"/>
+            <a:r>
+              <a:rPr lang="en-IN" dirty="0"/>
+              <a:t>Save the client’s request in </a:t>
+            </a:r>
+            <a:r>
+              <a:rPr lang="en-IN"/>
+              <a:t>our google sheets file</a:t>
+            </a:r>
+            <a:endParaRPr lang="en-GB" dirty="0"/>
           </a:p>
         </p:txBody>
       </p:sp>
     </p:spTree>
     <p:extLst>
       <p:ext uri="{BB962C8B-B14F-4D97-AF65-F5344CB8AC3E}">
-        <p14:creationId xmlns:p14="http://schemas.microsoft.com/office/powerpoint/2010/main" val="3662757700"/>
+        <p14:creationId xmlns:p14="http://schemas.microsoft.com/office/powerpoint/2010/main" val="1745397910"/>
       </p:ext>
     </p:extLst>
   </p:cSld>
@@ -4754,7 +4084,7 @@
           <p:cNvPr id="2" name="Title 1">
             <a:extLst>
               <a:ext uri="{FF2B5EF4-FFF2-40B4-BE49-F238E27FC236}">
-                <a16:creationId xmlns:a16="http://schemas.microsoft.com/office/drawing/2014/main" id="{47C0CCF4-3235-056E-56E3-CF8CE9E2A76F}"/>
+                <a16:creationId xmlns:a16="http://schemas.microsoft.com/office/drawing/2014/main" id="{B2A3C693-B4AB-2E58-0937-BB137D41010F}"/>
               </a:ext>
             </a:extLst>
           </p:cNvPr>
@@ -4771,9 +4101,10 @@
           <a:lstStyle/>
           <a:p>
             <a:r>
-              <a:rPr lang="en-IN" noProof="0" dirty="0"/>
-              <a:t>Discord Setup (If Needed)</a:t>
-            </a:r>
+              <a:rPr lang="en-IN" dirty="0"/>
+              <a:t>6_client_onboarding_system</a:t>
+            </a:r>
+            <a:endParaRPr lang="en-GB" dirty="0"/>
           </a:p>
         </p:txBody>
       </p:sp>
@@ -4782,7 +4113,7 @@
           <p:cNvPr id="3" name="Content Placeholder 2">
             <a:extLst>
               <a:ext uri="{FF2B5EF4-FFF2-40B4-BE49-F238E27FC236}">
-                <a16:creationId xmlns:a16="http://schemas.microsoft.com/office/drawing/2014/main" id="{9CDE4870-1F13-4643-0335-DFE70A96C89B}"/>
+                <a16:creationId xmlns:a16="http://schemas.microsoft.com/office/drawing/2014/main" id="{81F09F45-3905-9503-A240-0061F8ACD497}"/>
               </a:ext>
             </a:extLst>
           </p:cNvPr>
@@ -4799,46 +4130,92 @@
           <a:lstStyle/>
           <a:p>
             <a:r>
-              <a:rPr lang="en-IN" noProof="0" dirty="0"/>
-              <a:t>Create a new account on Discord, or log in</a:t>
-            </a:r>
-          </a:p>
-          <a:p>
-            <a:r>
-              <a:rPr lang="en-IN" noProof="0" dirty="0"/>
-              <a:t>Create a new channel named n8n</a:t>
-            </a:r>
-          </a:p>
-          <a:p>
-            <a:r>
-              <a:rPr lang="en-IN" noProof="0" dirty="0"/>
-              <a:t>Click the edit channel button next to the channel name</a:t>
-            </a:r>
-          </a:p>
-          <a:p>
-            <a:r>
-              <a:rPr lang="en-IN" noProof="0" dirty="0"/>
-              <a:t>Integrations -&gt; Webhooks -&gt; New Webhook -&gt; Spidey Bot -&gt; Copy Webhook URL</a:t>
-            </a:r>
-          </a:p>
-          <a:p>
-            <a:r>
-              <a:rPr lang="en-IN" noProof="0" dirty="0"/>
-              <a:t>In n8n integration for Discord, Connection type: Webhook -&gt; Create new credentials -&gt; Paste the above Webhook URL from Discord</a:t>
-            </a:r>
-          </a:p>
-          <a:p>
-            <a:r>
-              <a:rPr lang="en-IN" noProof="0" dirty="0"/>
-              <a:t>Operation -&gt; Send a message</a:t>
-            </a:r>
-          </a:p>
-        </p:txBody>
-      </p:sp>
+              <a:rPr lang="en-IN" dirty="0"/>
+              <a:t>Add form submission</a:t>
+            </a:r>
+          </a:p>
+          <a:p>
+            <a:endParaRPr lang="en-IN" dirty="0"/>
+          </a:p>
+          <a:p>
+            <a:r>
+              <a:rPr lang="en-IN" dirty="0"/>
+              <a:t>Add AI Agent and configure Ollama</a:t>
+            </a:r>
+          </a:p>
+          <a:p>
+            <a:r>
+              <a:rPr lang="en-IN" dirty="0"/>
+              <a:t>Give user message (Next slide)</a:t>
+            </a:r>
+            <a:endParaRPr lang="en-GB" dirty="0"/>
+          </a:p>
+        </p:txBody>
+      </p:sp>
+      <p:pic>
+        <p:nvPicPr>
+          <p:cNvPr id="7" name="Picture 6">
+            <a:extLst>
+              <a:ext uri="{FF2B5EF4-FFF2-40B4-BE49-F238E27FC236}">
+                <a16:creationId xmlns:a16="http://schemas.microsoft.com/office/drawing/2014/main" id="{381EEA40-7C7F-D03B-0350-D5CC2C33D6D1}"/>
+              </a:ext>
+            </a:extLst>
+          </p:cNvPr>
+          <p:cNvPicPr>
+            <a:picLocks noChangeAspect="1"/>
+          </p:cNvPicPr>
+          <p:nvPr/>
+        </p:nvPicPr>
+        <p:blipFill>
+          <a:blip r:embed="rId2"/>
+          <a:stretch>
+            <a:fillRect/>
+          </a:stretch>
+        </p:blipFill>
+        <p:spPr>
+          <a:xfrm>
+            <a:off x="8132159" y="155054"/>
+            <a:ext cx="3969184" cy="5167312"/>
+          </a:xfrm>
+          <a:prstGeom prst="rect">
+            <a:avLst/>
+          </a:prstGeom>
+        </p:spPr>
+      </p:pic>
+      <p:pic>
+        <p:nvPicPr>
+          <p:cNvPr id="9" name="Picture 8">
+            <a:extLst>
+              <a:ext uri="{FF2B5EF4-FFF2-40B4-BE49-F238E27FC236}">
+                <a16:creationId xmlns:a16="http://schemas.microsoft.com/office/drawing/2014/main" id="{75E89B58-9E95-EAD7-AA77-DE7001317140}"/>
+              </a:ext>
+            </a:extLst>
+          </p:cNvPr>
+          <p:cNvPicPr>
+            <a:picLocks noChangeAspect="1"/>
+          </p:cNvPicPr>
+          <p:nvPr/>
+        </p:nvPicPr>
+        <p:blipFill>
+          <a:blip r:embed="rId3"/>
+          <a:stretch>
+            <a:fillRect/>
+          </a:stretch>
+        </p:blipFill>
+        <p:spPr>
+          <a:xfrm>
+            <a:off x="1249447" y="4001294"/>
+            <a:ext cx="3928181" cy="2766386"/>
+          </a:xfrm>
+          <a:prstGeom prst="rect">
+            <a:avLst/>
+          </a:prstGeom>
+        </p:spPr>
+      </p:pic>
     </p:spTree>
     <p:extLst>
       <p:ext uri="{BB962C8B-B14F-4D97-AF65-F5344CB8AC3E}">
-        <p14:creationId xmlns:p14="http://schemas.microsoft.com/office/powerpoint/2010/main" val="1406343923"/>
+        <p14:creationId xmlns:p14="http://schemas.microsoft.com/office/powerpoint/2010/main" val="2838415133"/>
       </p:ext>
     </p:extLst>
   </p:cSld>
@@ -4870,7 +4247,7 @@
           <p:cNvPr id="2" name="Title 1">
             <a:extLst>
               <a:ext uri="{FF2B5EF4-FFF2-40B4-BE49-F238E27FC236}">
-                <a16:creationId xmlns:a16="http://schemas.microsoft.com/office/drawing/2014/main" id="{2F904521-DA4A-C0F9-E5EC-587137FF3D84}"/>
+                <a16:creationId xmlns:a16="http://schemas.microsoft.com/office/drawing/2014/main" id="{C9D8A7B5-FF39-92A2-CAC4-C645406298C1}"/>
               </a:ext>
             </a:extLst>
           </p:cNvPr>
@@ -4887,9 +4264,10 @@
           <a:lstStyle/>
           <a:p>
             <a:r>
-              <a:rPr lang="en-IN" noProof="0" dirty="0"/>
-              <a:t>n8n and LLM</a:t>
-            </a:r>
+              <a:rPr lang="en-IN" dirty="0"/>
+              <a:t>6_client_onboarding_system</a:t>
+            </a:r>
+            <a:endParaRPr lang="en-GB" dirty="0"/>
           </a:p>
         </p:txBody>
       </p:sp>
@@ -4898,7 +4276,7 @@
           <p:cNvPr id="3" name="Content Placeholder 2">
             <a:extLst>
               <a:ext uri="{FF2B5EF4-FFF2-40B4-BE49-F238E27FC236}">
-                <a16:creationId xmlns:a16="http://schemas.microsoft.com/office/drawing/2014/main" id="{3846F2F7-67A1-D665-788F-F0CBDC8CA96A}"/>
+                <a16:creationId xmlns:a16="http://schemas.microsoft.com/office/drawing/2014/main" id="{5753A8EC-8735-6E96-7DD5-AB9E9A8E5102}"/>
               </a:ext>
             </a:extLst>
           </p:cNvPr>
@@ -4911,70 +4289,869 @@
         </p:nvSpPr>
         <p:spPr/>
         <p:txBody>
-          <a:bodyPr/>
-          <a:lstStyle/>
-          <a:p>
-            <a:r>
-              <a:rPr lang="en-IN" noProof="0" dirty="0"/>
-              <a:t>To connect n8n to an LLM</a:t>
-            </a:r>
-          </a:p>
-          <a:p>
-            <a:pPr lvl="1"/>
-            <a:r>
-              <a:rPr lang="en-IN" noProof="0" dirty="0"/>
-              <a:t>First add a chat trigger node</a:t>
-            </a:r>
-          </a:p>
-          <a:p>
-            <a:pPr lvl="1"/>
-            <a:r>
-              <a:rPr lang="en-IN" noProof="0" dirty="0"/>
-              <a:t>Then add an agent node</a:t>
-            </a:r>
-          </a:p>
-          <a:p>
-            <a:r>
-              <a:rPr lang="en-IN" noProof="0" dirty="0"/>
-              <a:t>For using local Ollama with n8n running as a Docker container</a:t>
-            </a:r>
-          </a:p>
-          <a:p>
-            <a:pPr lvl="1"/>
-            <a:r>
-              <a:rPr lang="en-IN" noProof="0" dirty="0"/>
-              <a:t>For the Ollama account setup on n8n</a:t>
-            </a:r>
-          </a:p>
-          <a:p>
-            <a:pPr lvl="2"/>
-            <a:r>
-              <a:rPr lang="en-IN" noProof="0" dirty="0"/>
-              <a:t>Create new credential -&gt; Base URL: http://host.docker.internal:11434 -&gt; API key: </a:t>
-            </a:r>
-            <a:r>
-              <a:rPr lang="en-IN" noProof="0" dirty="0" err="1"/>
-              <a:t>ollama</a:t>
-            </a:r>
-            <a:r>
-              <a:rPr lang="en-IN" noProof="0" dirty="0"/>
-              <a:t> -&gt; Model: llama 3.2 (Or whatever we have downloaded on our machine)</a:t>
-            </a:r>
-          </a:p>
-          <a:p>
-            <a:pPr lvl="1"/>
-            <a:endParaRPr lang="en-IN" noProof="0" dirty="0"/>
-          </a:p>
-          <a:p>
-            <a:pPr lvl="2"/>
-            <a:endParaRPr lang="en-IN" noProof="0" dirty="0"/>
+          <a:bodyPr>
+            <a:normAutofit fontScale="25000" lnSpcReduction="20000"/>
+          </a:bodyPr>
+          <a:lstStyle/>
+          <a:p>
+            <a:r>
+              <a:rPr lang="en-IN" dirty="0"/>
+              <a:t>User message for AI agent (Ollama)</a:t>
+            </a:r>
+          </a:p>
+          <a:p>
+            <a:r>
+              <a:rPr lang="en-US" dirty="0"/>
+              <a:t>Can you generate a warm and professional welcome email for a new client based on the information provided?</a:t>
+            </a:r>
+          </a:p>
+          <a:p>
+            <a:endParaRPr lang="en-US" dirty="0"/>
+          </a:p>
+          <a:p>
+            <a:r>
+              <a:rPr lang="en-US" dirty="0"/>
+              <a:t>The message should be friendly, brief, and personalized—while still sounding professional.</a:t>
+            </a:r>
+          </a:p>
+          <a:p>
+            <a:endParaRPr lang="en-US" dirty="0"/>
+          </a:p>
+          <a:p>
+            <a:r>
+              <a:rPr lang="en-US" dirty="0"/>
+              <a:t>It should reflect the </a:t>
+            </a:r>
+            <a:r>
+              <a:rPr lang="en-US" dirty="0" err="1"/>
+              <a:t>clientʼs</a:t>
+            </a:r>
+            <a:r>
+              <a:rPr lang="en-US" dirty="0"/>
+              <a:t> industry and their goals for our collaboration. Below is the </a:t>
+            </a:r>
+            <a:r>
+              <a:rPr lang="en-US" dirty="0" err="1"/>
+              <a:t>clientʼs</a:t>
+            </a:r>
+            <a:r>
+              <a:rPr lang="en-US" dirty="0"/>
+              <a:t> information:</a:t>
+            </a:r>
+          </a:p>
+          <a:p>
+            <a:r>
+              <a:rPr lang="en-US" dirty="0"/>
+              <a:t>Name: {{ $</a:t>
+            </a:r>
+            <a:r>
+              <a:rPr lang="en-US" dirty="0" err="1"/>
+              <a:t>json.Name</a:t>
+            </a:r>
+            <a:r>
+              <a:rPr lang="en-US" dirty="0"/>
+              <a:t> }} </a:t>
+            </a:r>
+          </a:p>
+          <a:p>
+            <a:r>
+              <a:rPr lang="en-US" dirty="0"/>
+              <a:t>Email: {{ $</a:t>
+            </a:r>
+            <a:r>
+              <a:rPr lang="en-US" dirty="0" err="1"/>
+              <a:t>json.Email</a:t>
+            </a:r>
+            <a:r>
+              <a:rPr lang="en-US" dirty="0"/>
+              <a:t> }} </a:t>
+            </a:r>
+          </a:p>
+          <a:p>
+            <a:r>
+              <a:rPr lang="en-US" dirty="0"/>
+              <a:t>Company Industry: {{ $</a:t>
+            </a:r>
+            <a:r>
+              <a:rPr lang="en-US" dirty="0" err="1"/>
+              <a:t>json.Industry</a:t>
+            </a:r>
+            <a:r>
+              <a:rPr lang="en-US" dirty="0"/>
+              <a:t> }} </a:t>
+            </a:r>
+          </a:p>
+          <a:p>
+            <a:r>
+              <a:rPr lang="en-US" dirty="0"/>
+              <a:t>Goals for the Partnership: {{ $</a:t>
+            </a:r>
+            <a:r>
+              <a:rPr lang="en-US" dirty="0" err="1"/>
+              <a:t>json.Goal</a:t>
+            </a:r>
+            <a:r>
+              <a:rPr lang="en-US" dirty="0"/>
+              <a:t> }} </a:t>
+            </a:r>
+          </a:p>
+          <a:p>
+            <a:endParaRPr lang="en-US" dirty="0"/>
+          </a:p>
+          <a:p>
+            <a:r>
+              <a:rPr lang="en-US" dirty="0"/>
+              <a:t>Make sure to always end the email with the following sign-off:</a:t>
+            </a:r>
+          </a:p>
+          <a:p>
+            <a:endParaRPr lang="en-US" dirty="0"/>
+          </a:p>
+          <a:p>
+            <a:r>
+              <a:rPr lang="en-US" dirty="0"/>
+              <a:t>Best regards,</a:t>
+            </a:r>
+          </a:p>
+          <a:p>
+            <a:r>
+              <a:rPr lang="en-US" dirty="0"/>
+              <a:t>Bob </a:t>
+            </a:r>
+            <a:r>
+              <a:rPr lang="en-US" dirty="0" err="1"/>
+              <a:t>Bob</a:t>
+            </a:r>
+            <a:endParaRPr lang="en-US" dirty="0"/>
+          </a:p>
+          <a:p>
+            <a:r>
+              <a:rPr lang="en-US" dirty="0"/>
+              <a:t>VP of Internal Relations</a:t>
+            </a:r>
+          </a:p>
+          <a:p>
+            <a:r>
+              <a:rPr lang="en-US" dirty="0"/>
+              <a:t>ABC Corp</a:t>
+            </a:r>
+          </a:p>
+          <a:p>
+            <a:endParaRPr lang="en-US" dirty="0"/>
+          </a:p>
+          <a:p>
+            <a:r>
+              <a:rPr lang="en-US" dirty="0"/>
+              <a:t>Do not use placeholders like {{ $</a:t>
+            </a:r>
+            <a:r>
+              <a:rPr lang="en-US" dirty="0" err="1"/>
+              <a:t>json.Name</a:t>
+            </a:r>
+            <a:r>
+              <a:rPr lang="en-US" dirty="0"/>
+              <a:t> }} or {{ $</a:t>
+            </a:r>
+            <a:r>
+              <a:rPr lang="en-US" dirty="0" err="1"/>
+              <a:t>json.Email</a:t>
+            </a:r>
+            <a:r>
+              <a:rPr lang="en-US" dirty="0"/>
+              <a:t> }} under any circumstances, even if some information is missing.</a:t>
+            </a:r>
+          </a:p>
+          <a:p>
+            <a:endParaRPr lang="en-US" dirty="0"/>
+          </a:p>
+          <a:p>
+            <a:r>
+              <a:rPr lang="en-US" dirty="0"/>
+              <a:t>Return the result in 3 separate fields:</a:t>
+            </a:r>
+          </a:p>
+          <a:p>
+            <a:r>
+              <a:rPr lang="en-US" dirty="0"/>
+              <a:t>Subject: The </a:t>
+            </a:r>
+            <a:r>
+              <a:rPr lang="en-US" dirty="0" err="1"/>
+              <a:t>emailʼs</a:t>
+            </a:r>
+            <a:r>
+              <a:rPr lang="en-US" dirty="0"/>
+              <a:t> subject line</a:t>
+            </a:r>
+          </a:p>
+          <a:p>
+            <a:r>
+              <a:rPr lang="en-US" dirty="0"/>
+              <a:t>Body: The main email content</a:t>
+            </a:r>
+          </a:p>
+          <a:p>
+            <a:r>
+              <a:rPr lang="en-US" dirty="0"/>
+              <a:t>Email: {{ $</a:t>
+            </a:r>
+            <a:r>
+              <a:rPr lang="en-US" dirty="0" err="1"/>
+              <a:t>json.Email</a:t>
+            </a:r>
+            <a:r>
+              <a:rPr lang="en-US" dirty="0"/>
+              <a:t> }}</a:t>
+            </a:r>
+          </a:p>
+          <a:p>
+            <a:r>
+              <a:rPr lang="en-US" dirty="0"/>
+              <a:t>Summary: A concise overview of the potential client based on the information provided above</a:t>
+            </a:r>
+            <a:endParaRPr lang="en-GB" dirty="0"/>
           </a:p>
         </p:txBody>
       </p:sp>
     </p:spTree>
     <p:extLst>
       <p:ext uri="{BB962C8B-B14F-4D97-AF65-F5344CB8AC3E}">
-        <p14:creationId xmlns:p14="http://schemas.microsoft.com/office/powerpoint/2010/main" val="1264270177"/>
+        <p14:creationId xmlns:p14="http://schemas.microsoft.com/office/powerpoint/2010/main" val="1667014755"/>
+      </p:ext>
+    </p:extLst>
+  </p:cSld>
+  <p:clrMapOvr>
+    <a:masterClrMapping/>
+  </p:clrMapOvr>
+</p:sld>
+</file>
+
+<file path=ppt/slides/slide16.xml><?xml version="1.0" encoding="utf-8"?>
+<p:sld xmlns:a="http://schemas.openxmlformats.org/drawingml/2006/main" xmlns:r="http://schemas.openxmlformats.org/officeDocument/2006/relationships" xmlns:p="http://schemas.openxmlformats.org/presentationml/2006/main">
+  <p:cSld>
+    <p:spTree>
+      <p:nvGrpSpPr>
+        <p:cNvPr id="1" name=""/>
+        <p:cNvGrpSpPr/>
+        <p:nvPr/>
+      </p:nvGrpSpPr>
+      <p:grpSpPr>
+        <a:xfrm>
+          <a:off x="0" y="0"/>
+          <a:ext cx="0" cy="0"/>
+          <a:chOff x="0" y="0"/>
+          <a:chExt cx="0" cy="0"/>
+        </a:xfrm>
+      </p:grpSpPr>
+      <p:sp>
+        <p:nvSpPr>
+          <p:cNvPr id="2" name="Title 1">
+            <a:extLst>
+              <a:ext uri="{FF2B5EF4-FFF2-40B4-BE49-F238E27FC236}">
+                <a16:creationId xmlns:a16="http://schemas.microsoft.com/office/drawing/2014/main" id="{C45B61C3-9293-E59B-2938-ADD06FEB43C4}"/>
+              </a:ext>
+            </a:extLst>
+          </p:cNvPr>
+          <p:cNvSpPr>
+            <a:spLocks noGrp="1"/>
+          </p:cNvSpPr>
+          <p:nvPr>
+            <p:ph type="title"/>
+          </p:nvPr>
+        </p:nvSpPr>
+        <p:spPr/>
+        <p:txBody>
+          <a:bodyPr/>
+          <a:lstStyle/>
+          <a:p>
+            <a:r>
+              <a:rPr lang="en-IN" dirty="0"/>
+              <a:t>6_client_onboarding_system</a:t>
+            </a:r>
+            <a:endParaRPr lang="en-GB" dirty="0"/>
+          </a:p>
+        </p:txBody>
+      </p:sp>
+      <p:sp>
+        <p:nvSpPr>
+          <p:cNvPr id="3" name="Content Placeholder 2">
+            <a:extLst>
+              <a:ext uri="{FF2B5EF4-FFF2-40B4-BE49-F238E27FC236}">
+                <a16:creationId xmlns:a16="http://schemas.microsoft.com/office/drawing/2014/main" id="{85BE06E9-85FB-99B6-D14E-10743CFBCC8E}"/>
+              </a:ext>
+            </a:extLst>
+          </p:cNvPr>
+          <p:cNvSpPr>
+            <a:spLocks noGrp="1"/>
+          </p:cNvSpPr>
+          <p:nvPr>
+            <p:ph idx="1"/>
+          </p:nvPr>
+        </p:nvSpPr>
+        <p:spPr/>
+        <p:txBody>
+          <a:bodyPr/>
+          <a:lstStyle/>
+          <a:p>
+            <a:r>
+              <a:rPr lang="en-IN" dirty="0"/>
+              <a:t>Next, search OpenAI -&gt; Message a model … Add this and test</a:t>
+            </a:r>
+          </a:p>
+          <a:p>
+            <a:endParaRPr lang="en-GB" dirty="0"/>
+          </a:p>
+        </p:txBody>
+      </p:sp>
+      <p:pic>
+        <p:nvPicPr>
+          <p:cNvPr id="5" name="Picture 4">
+            <a:extLst>
+              <a:ext uri="{FF2B5EF4-FFF2-40B4-BE49-F238E27FC236}">
+                <a16:creationId xmlns:a16="http://schemas.microsoft.com/office/drawing/2014/main" id="{F85448CF-03B8-292B-899E-B5F5D1E229FA}"/>
+              </a:ext>
+            </a:extLst>
+          </p:cNvPr>
+          <p:cNvPicPr>
+            <a:picLocks noChangeAspect="1"/>
+          </p:cNvPicPr>
+          <p:nvPr/>
+        </p:nvPicPr>
+        <p:blipFill>
+          <a:blip r:embed="rId2"/>
+          <a:stretch>
+            <a:fillRect/>
+          </a:stretch>
+        </p:blipFill>
+        <p:spPr>
+          <a:xfrm>
+            <a:off x="1033062" y="2350359"/>
+            <a:ext cx="3078607" cy="4312195"/>
+          </a:xfrm>
+          <a:prstGeom prst="rect">
+            <a:avLst/>
+          </a:prstGeom>
+        </p:spPr>
+      </p:pic>
+      <p:pic>
+        <p:nvPicPr>
+          <p:cNvPr id="7" name="Picture 6">
+            <a:extLst>
+              <a:ext uri="{FF2B5EF4-FFF2-40B4-BE49-F238E27FC236}">
+                <a16:creationId xmlns:a16="http://schemas.microsoft.com/office/drawing/2014/main" id="{C36202E2-A95F-6AA2-C355-7B88390A9DC3}"/>
+              </a:ext>
+            </a:extLst>
+          </p:cNvPr>
+          <p:cNvPicPr>
+            <a:picLocks noChangeAspect="1"/>
+          </p:cNvPicPr>
+          <p:nvPr/>
+        </p:nvPicPr>
+        <p:blipFill>
+          <a:blip r:embed="rId3"/>
+          <a:stretch>
+            <a:fillRect/>
+          </a:stretch>
+        </p:blipFill>
+        <p:spPr>
+          <a:xfrm>
+            <a:off x="4306530" y="2350359"/>
+            <a:ext cx="3574061" cy="4227317"/>
+          </a:xfrm>
+          <a:prstGeom prst="rect">
+            <a:avLst/>
+          </a:prstGeom>
+        </p:spPr>
+      </p:pic>
+    </p:spTree>
+    <p:extLst>
+      <p:ext uri="{BB962C8B-B14F-4D97-AF65-F5344CB8AC3E}">
+        <p14:creationId xmlns:p14="http://schemas.microsoft.com/office/powerpoint/2010/main" val="1866526988"/>
+      </p:ext>
+    </p:extLst>
+  </p:cSld>
+  <p:clrMapOvr>
+    <a:masterClrMapping/>
+  </p:clrMapOvr>
+</p:sld>
+</file>
+
+<file path=ppt/slides/slide17.xml><?xml version="1.0" encoding="utf-8"?>
+<p:sld xmlns:a="http://schemas.openxmlformats.org/drawingml/2006/main" xmlns:r="http://schemas.openxmlformats.org/officeDocument/2006/relationships" xmlns:p="http://schemas.openxmlformats.org/presentationml/2006/main">
+  <p:cSld>
+    <p:spTree>
+      <p:nvGrpSpPr>
+        <p:cNvPr id="1" name=""/>
+        <p:cNvGrpSpPr/>
+        <p:nvPr/>
+      </p:nvGrpSpPr>
+      <p:grpSpPr>
+        <a:xfrm>
+          <a:off x="0" y="0"/>
+          <a:ext cx="0" cy="0"/>
+          <a:chOff x="0" y="0"/>
+          <a:chExt cx="0" cy="0"/>
+        </a:xfrm>
+      </p:grpSpPr>
+      <p:sp>
+        <p:nvSpPr>
+          <p:cNvPr id="2" name="Title 1">
+            <a:extLst>
+              <a:ext uri="{FF2B5EF4-FFF2-40B4-BE49-F238E27FC236}">
+                <a16:creationId xmlns:a16="http://schemas.microsoft.com/office/drawing/2014/main" id="{BB64CFEF-F0BA-8934-A174-2A8034086AFF}"/>
+              </a:ext>
+            </a:extLst>
+          </p:cNvPr>
+          <p:cNvSpPr>
+            <a:spLocks noGrp="1"/>
+          </p:cNvSpPr>
+          <p:nvPr>
+            <p:ph type="title"/>
+          </p:nvPr>
+        </p:nvSpPr>
+        <p:spPr/>
+        <p:txBody>
+          <a:bodyPr/>
+          <a:lstStyle/>
+          <a:p>
+            <a:r>
+              <a:rPr lang="en-IN" dirty="0"/>
+              <a:t>6_client_onboarding_system</a:t>
+            </a:r>
+            <a:endParaRPr lang="en-GB" dirty="0"/>
+          </a:p>
+        </p:txBody>
+      </p:sp>
+      <p:sp>
+        <p:nvSpPr>
+          <p:cNvPr id="3" name="Content Placeholder 2">
+            <a:extLst>
+              <a:ext uri="{FF2B5EF4-FFF2-40B4-BE49-F238E27FC236}">
+                <a16:creationId xmlns:a16="http://schemas.microsoft.com/office/drawing/2014/main" id="{58ABFE99-BBA1-1BA1-CC5D-0B0C04E55743}"/>
+              </a:ext>
+            </a:extLst>
+          </p:cNvPr>
+          <p:cNvSpPr>
+            <a:spLocks noGrp="1"/>
+          </p:cNvSpPr>
+          <p:nvPr>
+            <p:ph idx="1"/>
+          </p:nvPr>
+        </p:nvSpPr>
+        <p:spPr/>
+        <p:txBody>
+          <a:bodyPr/>
+          <a:lstStyle/>
+          <a:p>
+            <a:r>
+              <a:rPr lang="en-IN" dirty="0"/>
+              <a:t>Add </a:t>
+            </a:r>
+            <a:r>
+              <a:rPr lang="en-IN" dirty="0" err="1"/>
+              <a:t>gmail</a:t>
+            </a:r>
+            <a:r>
+              <a:rPr lang="en-IN" dirty="0"/>
+              <a:t> to the end and test</a:t>
+            </a:r>
+            <a:endParaRPr lang="en-GB" dirty="0"/>
+          </a:p>
+        </p:txBody>
+      </p:sp>
+      <p:pic>
+        <p:nvPicPr>
+          <p:cNvPr id="5" name="Picture 4">
+            <a:extLst>
+              <a:ext uri="{FF2B5EF4-FFF2-40B4-BE49-F238E27FC236}">
+                <a16:creationId xmlns:a16="http://schemas.microsoft.com/office/drawing/2014/main" id="{1E7A097D-6437-4EC0-D4F9-74F7DF8CFCC9}"/>
+              </a:ext>
+            </a:extLst>
+          </p:cNvPr>
+          <p:cNvPicPr>
+            <a:picLocks noChangeAspect="1"/>
+          </p:cNvPicPr>
+          <p:nvPr/>
+        </p:nvPicPr>
+        <p:blipFill>
+          <a:blip r:embed="rId2"/>
+          <a:stretch>
+            <a:fillRect/>
+          </a:stretch>
+        </p:blipFill>
+        <p:spPr>
+          <a:xfrm>
+            <a:off x="7857093" y="551432"/>
+            <a:ext cx="3949171" cy="5573652"/>
+          </a:xfrm>
+          <a:prstGeom prst="rect">
+            <a:avLst/>
+          </a:prstGeom>
+        </p:spPr>
+      </p:pic>
+      <p:pic>
+        <p:nvPicPr>
+          <p:cNvPr id="7" name="Picture 6">
+            <a:extLst>
+              <a:ext uri="{FF2B5EF4-FFF2-40B4-BE49-F238E27FC236}">
+                <a16:creationId xmlns:a16="http://schemas.microsoft.com/office/drawing/2014/main" id="{E9957901-8771-384E-2606-FC4E3D158F03}"/>
+              </a:ext>
+            </a:extLst>
+          </p:cNvPr>
+          <p:cNvPicPr>
+            <a:picLocks noChangeAspect="1"/>
+          </p:cNvPicPr>
+          <p:nvPr/>
+        </p:nvPicPr>
+        <p:blipFill>
+          <a:blip r:embed="rId3"/>
+          <a:stretch>
+            <a:fillRect/>
+          </a:stretch>
+        </p:blipFill>
+        <p:spPr>
+          <a:xfrm>
+            <a:off x="272226" y="2812361"/>
+            <a:ext cx="7236092" cy="2377866"/>
+          </a:xfrm>
+          <a:prstGeom prst="rect">
+            <a:avLst/>
+          </a:prstGeom>
+        </p:spPr>
+      </p:pic>
+    </p:spTree>
+    <p:extLst>
+      <p:ext uri="{BB962C8B-B14F-4D97-AF65-F5344CB8AC3E}">
+        <p14:creationId xmlns:p14="http://schemas.microsoft.com/office/powerpoint/2010/main" val="579063949"/>
+      </p:ext>
+    </p:extLst>
+  </p:cSld>
+  <p:clrMapOvr>
+    <a:masterClrMapping/>
+  </p:clrMapOvr>
+</p:sld>
+</file>
+
+<file path=ppt/slides/slide18.xml><?xml version="1.0" encoding="utf-8"?>
+<p:sld xmlns:a="http://schemas.openxmlformats.org/drawingml/2006/main" xmlns:r="http://schemas.openxmlformats.org/officeDocument/2006/relationships" xmlns:p="http://schemas.openxmlformats.org/presentationml/2006/main">
+  <p:cSld>
+    <p:spTree>
+      <p:nvGrpSpPr>
+        <p:cNvPr id="1" name=""/>
+        <p:cNvGrpSpPr/>
+        <p:nvPr/>
+      </p:nvGrpSpPr>
+      <p:grpSpPr>
+        <a:xfrm>
+          <a:off x="0" y="0"/>
+          <a:ext cx="0" cy="0"/>
+          <a:chOff x="0" y="0"/>
+          <a:chExt cx="0" cy="0"/>
+        </a:xfrm>
+      </p:grpSpPr>
+      <p:sp>
+        <p:nvSpPr>
+          <p:cNvPr id="2" name="Title 1">
+            <a:extLst>
+              <a:ext uri="{FF2B5EF4-FFF2-40B4-BE49-F238E27FC236}">
+                <a16:creationId xmlns:a16="http://schemas.microsoft.com/office/drawing/2014/main" id="{F372730F-2011-34F7-54FD-37D488627C05}"/>
+              </a:ext>
+            </a:extLst>
+          </p:cNvPr>
+          <p:cNvSpPr>
+            <a:spLocks noGrp="1"/>
+          </p:cNvSpPr>
+          <p:nvPr>
+            <p:ph type="title"/>
+          </p:nvPr>
+        </p:nvSpPr>
+        <p:spPr/>
+        <p:txBody>
+          <a:bodyPr/>
+          <a:lstStyle/>
+          <a:p>
+            <a:r>
+              <a:rPr lang="en-IN" dirty="0"/>
+              <a:t>6_client_onboarding_system</a:t>
+            </a:r>
+            <a:endParaRPr lang="en-GB" dirty="0"/>
+          </a:p>
+        </p:txBody>
+      </p:sp>
+      <p:sp>
+        <p:nvSpPr>
+          <p:cNvPr id="3" name="Content Placeholder 2">
+            <a:extLst>
+              <a:ext uri="{FF2B5EF4-FFF2-40B4-BE49-F238E27FC236}">
+                <a16:creationId xmlns:a16="http://schemas.microsoft.com/office/drawing/2014/main" id="{C1631714-A974-4B50-6879-956CDD0053B9}"/>
+              </a:ext>
+            </a:extLst>
+          </p:cNvPr>
+          <p:cNvSpPr>
+            <a:spLocks noGrp="1"/>
+          </p:cNvSpPr>
+          <p:nvPr>
+            <p:ph idx="1"/>
+          </p:nvPr>
+        </p:nvSpPr>
+        <p:spPr/>
+        <p:txBody>
+          <a:bodyPr/>
+          <a:lstStyle/>
+          <a:p>
+            <a:r>
+              <a:rPr lang="en-IN" dirty="0"/>
+              <a:t>Now add another AI agent at the bottom – Add the prompt as shown on the next slide – Add chat model as Ollama/OpenAI and test</a:t>
+            </a:r>
+            <a:endParaRPr lang="en-GB" dirty="0"/>
+          </a:p>
+        </p:txBody>
+      </p:sp>
+      <p:pic>
+        <p:nvPicPr>
+          <p:cNvPr id="5" name="Picture 4">
+            <a:extLst>
+              <a:ext uri="{FF2B5EF4-FFF2-40B4-BE49-F238E27FC236}">
+                <a16:creationId xmlns:a16="http://schemas.microsoft.com/office/drawing/2014/main" id="{1E6EA99F-E163-B357-71BC-CAF3C29D31C5}"/>
+              </a:ext>
+            </a:extLst>
+          </p:cNvPr>
+          <p:cNvPicPr>
+            <a:picLocks noChangeAspect="1"/>
+          </p:cNvPicPr>
+          <p:nvPr/>
+        </p:nvPicPr>
+        <p:blipFill>
+          <a:blip r:embed="rId2"/>
+          <a:stretch>
+            <a:fillRect/>
+          </a:stretch>
+        </p:blipFill>
+        <p:spPr>
+          <a:xfrm>
+            <a:off x="251285" y="2644420"/>
+            <a:ext cx="6614865" cy="2814059"/>
+          </a:xfrm>
+          <a:prstGeom prst="rect">
+            <a:avLst/>
+          </a:prstGeom>
+        </p:spPr>
+      </p:pic>
+      <p:pic>
+        <p:nvPicPr>
+          <p:cNvPr id="7" name="Picture 6">
+            <a:extLst>
+              <a:ext uri="{FF2B5EF4-FFF2-40B4-BE49-F238E27FC236}">
+                <a16:creationId xmlns:a16="http://schemas.microsoft.com/office/drawing/2014/main" id="{61E4EFCA-5FC6-88A2-8F13-5E051446CB08}"/>
+              </a:ext>
+            </a:extLst>
+          </p:cNvPr>
+          <p:cNvPicPr>
+            <a:picLocks noChangeAspect="1"/>
+          </p:cNvPicPr>
+          <p:nvPr/>
+        </p:nvPicPr>
+        <p:blipFill>
+          <a:blip r:embed="rId3"/>
+          <a:stretch>
+            <a:fillRect/>
+          </a:stretch>
+        </p:blipFill>
+        <p:spPr>
+          <a:xfrm>
+            <a:off x="7645904" y="2708299"/>
+            <a:ext cx="3289968" cy="4484747"/>
+          </a:xfrm>
+          <a:prstGeom prst="rect">
+            <a:avLst/>
+          </a:prstGeom>
+        </p:spPr>
+      </p:pic>
+    </p:spTree>
+    <p:extLst>
+      <p:ext uri="{BB962C8B-B14F-4D97-AF65-F5344CB8AC3E}">
+        <p14:creationId xmlns:p14="http://schemas.microsoft.com/office/powerpoint/2010/main" val="1530006331"/>
+      </p:ext>
+    </p:extLst>
+  </p:cSld>
+  <p:clrMapOvr>
+    <a:masterClrMapping/>
+  </p:clrMapOvr>
+</p:sld>
+</file>
+
+<file path=ppt/slides/slide19.xml><?xml version="1.0" encoding="utf-8"?>
+<p:sld xmlns:a="http://schemas.openxmlformats.org/drawingml/2006/main" xmlns:r="http://schemas.openxmlformats.org/officeDocument/2006/relationships" xmlns:p="http://schemas.openxmlformats.org/presentationml/2006/main">
+  <p:cSld>
+    <p:spTree>
+      <p:nvGrpSpPr>
+        <p:cNvPr id="1" name=""/>
+        <p:cNvGrpSpPr/>
+        <p:nvPr/>
+      </p:nvGrpSpPr>
+      <p:grpSpPr>
+        <a:xfrm>
+          <a:off x="0" y="0"/>
+          <a:ext cx="0" cy="0"/>
+          <a:chOff x="0" y="0"/>
+          <a:chExt cx="0" cy="0"/>
+        </a:xfrm>
+      </p:grpSpPr>
+      <p:sp>
+        <p:nvSpPr>
+          <p:cNvPr id="2" name="Title 1">
+            <a:extLst>
+              <a:ext uri="{FF2B5EF4-FFF2-40B4-BE49-F238E27FC236}">
+                <a16:creationId xmlns:a16="http://schemas.microsoft.com/office/drawing/2014/main" id="{3F8A4B05-DBD6-D127-7323-6B39B3E07602}"/>
+              </a:ext>
+            </a:extLst>
+          </p:cNvPr>
+          <p:cNvSpPr>
+            <a:spLocks noGrp="1"/>
+          </p:cNvSpPr>
+          <p:nvPr>
+            <p:ph type="title"/>
+          </p:nvPr>
+        </p:nvSpPr>
+        <p:spPr/>
+        <p:txBody>
+          <a:bodyPr/>
+          <a:lstStyle/>
+          <a:p>
+            <a:r>
+              <a:rPr lang="en-IN" dirty="0"/>
+              <a:t>6_client_onboarding_system</a:t>
+            </a:r>
+            <a:endParaRPr lang="en-GB" dirty="0"/>
+          </a:p>
+        </p:txBody>
+      </p:sp>
+      <p:sp>
+        <p:nvSpPr>
+          <p:cNvPr id="3" name="Content Placeholder 2">
+            <a:extLst>
+              <a:ext uri="{FF2B5EF4-FFF2-40B4-BE49-F238E27FC236}">
+                <a16:creationId xmlns:a16="http://schemas.microsoft.com/office/drawing/2014/main" id="{DB5532C9-2DAD-E296-2851-D9D0D34857D1}"/>
+              </a:ext>
+            </a:extLst>
+          </p:cNvPr>
+          <p:cNvSpPr>
+            <a:spLocks noGrp="1"/>
+          </p:cNvSpPr>
+          <p:nvPr>
+            <p:ph idx="1"/>
+          </p:nvPr>
+        </p:nvSpPr>
+        <p:spPr/>
+        <p:txBody>
+          <a:bodyPr>
+            <a:normAutofit fontScale="85000" lnSpcReduction="20000"/>
+          </a:bodyPr>
+          <a:lstStyle/>
+          <a:p>
+            <a:r>
+              <a:rPr lang="en-IN" dirty="0"/>
+              <a:t>Prompt for the new agent</a:t>
+            </a:r>
+          </a:p>
+          <a:p>
+            <a:r>
+              <a:rPr lang="en-US" dirty="0"/>
+              <a:t>Use the client details below to generate a clear summary of their profile. Here is the information provided:</a:t>
+            </a:r>
+          </a:p>
+          <a:p>
+            <a:r>
+              <a:rPr lang="en-US" dirty="0"/>
+              <a:t>Name: {{ $</a:t>
+            </a:r>
+            <a:r>
+              <a:rPr lang="en-US" dirty="0" err="1"/>
+              <a:t>json.Name</a:t>
+            </a:r>
+            <a:r>
+              <a:rPr lang="en-US" dirty="0"/>
+              <a:t> }}  </a:t>
+            </a:r>
+          </a:p>
+          <a:p>
+            <a:r>
+              <a:rPr lang="en-US" dirty="0"/>
+              <a:t>Industry: {{ $</a:t>
+            </a:r>
+            <a:r>
+              <a:rPr lang="en-US" dirty="0" err="1"/>
+              <a:t>json.Industry</a:t>
+            </a:r>
+            <a:r>
+              <a:rPr lang="en-US" dirty="0"/>
+              <a:t> }}</a:t>
+            </a:r>
+          </a:p>
+          <a:p>
+            <a:r>
+              <a:rPr lang="en-US" dirty="0"/>
+              <a:t>Goals with Us: {{ $</a:t>
+            </a:r>
+            <a:r>
+              <a:rPr lang="en-US" dirty="0" err="1"/>
+              <a:t>json.Goal</a:t>
+            </a:r>
+            <a:r>
+              <a:rPr lang="en-US" dirty="0"/>
+              <a:t> }}</a:t>
+            </a:r>
+          </a:p>
+          <a:p>
+            <a:endParaRPr lang="en-US" dirty="0"/>
+          </a:p>
+          <a:p>
+            <a:r>
+              <a:rPr lang="en-US" dirty="0"/>
+              <a:t>Return the following fields separately:</a:t>
+            </a:r>
+          </a:p>
+          <a:p>
+            <a:r>
+              <a:rPr lang="en-US" dirty="0"/>
+              <a:t>Name: {{ $</a:t>
+            </a:r>
+            <a:r>
+              <a:rPr lang="en-US" dirty="0" err="1"/>
+              <a:t>json.Name</a:t>
+            </a:r>
+            <a:r>
+              <a:rPr lang="en-US" dirty="0"/>
+              <a:t> }}</a:t>
+            </a:r>
+          </a:p>
+          <a:p>
+            <a:r>
+              <a:rPr lang="en-US" dirty="0"/>
+              <a:t>Email: {{ $</a:t>
+            </a:r>
+            <a:r>
+              <a:rPr lang="en-US" dirty="0" err="1"/>
+              <a:t>json.Email</a:t>
+            </a:r>
+            <a:r>
+              <a:rPr lang="en-US" dirty="0"/>
+              <a:t> }}</a:t>
+            </a:r>
+          </a:p>
+          <a:p>
+            <a:r>
+              <a:rPr lang="en-US" dirty="0"/>
+              <a:t>Summary: A concise overview of the client based on the information provided above</a:t>
+            </a:r>
+            <a:endParaRPr lang="en-GB" dirty="0"/>
+          </a:p>
+        </p:txBody>
+      </p:sp>
+    </p:spTree>
+    <p:extLst>
+      <p:ext uri="{BB962C8B-B14F-4D97-AF65-F5344CB8AC3E}">
+        <p14:creationId xmlns:p14="http://schemas.microsoft.com/office/powerpoint/2010/main" val="4289004247"/>
       </p:ext>
     </p:extLst>
   </p:cSld>
@@ -5161,6 +5338,726 @@
     <p:extLst>
       <p:ext uri="{BB962C8B-B14F-4D97-AF65-F5344CB8AC3E}">
         <p14:creationId xmlns:p14="http://schemas.microsoft.com/office/powerpoint/2010/main" val="4254546428"/>
+      </p:ext>
+    </p:extLst>
+  </p:cSld>
+  <p:clrMapOvr>
+    <a:masterClrMapping/>
+  </p:clrMapOvr>
+</p:sld>
+</file>
+
+<file path=ppt/slides/slide20.xml><?xml version="1.0" encoding="utf-8"?>
+<p:sld xmlns:a="http://schemas.openxmlformats.org/drawingml/2006/main" xmlns:r="http://schemas.openxmlformats.org/officeDocument/2006/relationships" xmlns:p="http://schemas.openxmlformats.org/presentationml/2006/main">
+  <p:cSld>
+    <p:spTree>
+      <p:nvGrpSpPr>
+        <p:cNvPr id="1" name=""/>
+        <p:cNvGrpSpPr/>
+        <p:nvPr/>
+      </p:nvGrpSpPr>
+      <p:grpSpPr>
+        <a:xfrm>
+          <a:off x="0" y="0"/>
+          <a:ext cx="0" cy="0"/>
+          <a:chOff x="0" y="0"/>
+          <a:chExt cx="0" cy="0"/>
+        </a:xfrm>
+      </p:grpSpPr>
+      <p:sp>
+        <p:nvSpPr>
+          <p:cNvPr id="2" name="Title 1">
+            <a:extLst>
+              <a:ext uri="{FF2B5EF4-FFF2-40B4-BE49-F238E27FC236}">
+                <a16:creationId xmlns:a16="http://schemas.microsoft.com/office/drawing/2014/main" id="{412E84CF-DD32-EF9F-AA23-54D9D79A96CE}"/>
+              </a:ext>
+            </a:extLst>
+          </p:cNvPr>
+          <p:cNvSpPr>
+            <a:spLocks noGrp="1"/>
+          </p:cNvSpPr>
+          <p:nvPr>
+            <p:ph type="title"/>
+          </p:nvPr>
+        </p:nvSpPr>
+        <p:spPr/>
+        <p:txBody>
+          <a:bodyPr/>
+          <a:lstStyle/>
+          <a:p>
+            <a:r>
+              <a:rPr lang="en-IN" dirty="0"/>
+              <a:t>6_client_onboarding_system</a:t>
+            </a:r>
+            <a:endParaRPr lang="en-GB" dirty="0"/>
+          </a:p>
+        </p:txBody>
+      </p:sp>
+      <p:sp>
+        <p:nvSpPr>
+          <p:cNvPr id="3" name="Content Placeholder 2">
+            <a:extLst>
+              <a:ext uri="{FF2B5EF4-FFF2-40B4-BE49-F238E27FC236}">
+                <a16:creationId xmlns:a16="http://schemas.microsoft.com/office/drawing/2014/main" id="{FC335C92-9B9C-3005-A93D-EB708C74438D}"/>
+              </a:ext>
+            </a:extLst>
+          </p:cNvPr>
+          <p:cNvSpPr>
+            <a:spLocks noGrp="1"/>
+          </p:cNvSpPr>
+          <p:nvPr>
+            <p:ph idx="1"/>
+          </p:nvPr>
+        </p:nvSpPr>
+        <p:spPr/>
+        <p:txBody>
+          <a:bodyPr/>
+          <a:lstStyle/>
+          <a:p>
+            <a:r>
+              <a:rPr lang="en-IN" dirty="0"/>
+              <a:t>Now copy the earlier OpenAI </a:t>
+            </a:r>
+            <a:r>
+              <a:rPr lang="en-IN" i="1" dirty="0"/>
+              <a:t>Message a Model</a:t>
+            </a:r>
+            <a:r>
+              <a:rPr lang="en-IN" dirty="0"/>
+              <a:t> node and attach below also – But change the prompt and test</a:t>
+            </a:r>
+            <a:endParaRPr lang="en-GB" dirty="0"/>
+          </a:p>
+        </p:txBody>
+      </p:sp>
+      <p:pic>
+        <p:nvPicPr>
+          <p:cNvPr id="5" name="Picture 4">
+            <a:extLst>
+              <a:ext uri="{FF2B5EF4-FFF2-40B4-BE49-F238E27FC236}">
+                <a16:creationId xmlns:a16="http://schemas.microsoft.com/office/drawing/2014/main" id="{2521ED28-1C60-D57F-5992-772A87C3B866}"/>
+              </a:ext>
+            </a:extLst>
+          </p:cNvPr>
+          <p:cNvPicPr>
+            <a:picLocks noChangeAspect="1"/>
+          </p:cNvPicPr>
+          <p:nvPr/>
+        </p:nvPicPr>
+        <p:blipFill>
+          <a:blip r:embed="rId2"/>
+          <a:stretch>
+            <a:fillRect/>
+          </a:stretch>
+        </p:blipFill>
+        <p:spPr>
+          <a:xfrm>
+            <a:off x="628213" y="3086102"/>
+            <a:ext cx="6705600" cy="3406773"/>
+          </a:xfrm>
+          <a:prstGeom prst="rect">
+            <a:avLst/>
+          </a:prstGeom>
+        </p:spPr>
+      </p:pic>
+      <p:pic>
+        <p:nvPicPr>
+          <p:cNvPr id="7" name="Picture 6">
+            <a:extLst>
+              <a:ext uri="{FF2B5EF4-FFF2-40B4-BE49-F238E27FC236}">
+                <a16:creationId xmlns:a16="http://schemas.microsoft.com/office/drawing/2014/main" id="{89AA2C76-E866-E2D4-34CC-5BC19AAA84BB}"/>
+              </a:ext>
+            </a:extLst>
+          </p:cNvPr>
+          <p:cNvPicPr>
+            <a:picLocks noChangeAspect="1"/>
+          </p:cNvPicPr>
+          <p:nvPr/>
+        </p:nvPicPr>
+        <p:blipFill>
+          <a:blip r:embed="rId3"/>
+          <a:stretch>
+            <a:fillRect/>
+          </a:stretch>
+        </p:blipFill>
+        <p:spPr>
+          <a:xfrm>
+            <a:off x="8549602" y="2220563"/>
+            <a:ext cx="3014185" cy="4797980"/>
+          </a:xfrm>
+          <a:prstGeom prst="rect">
+            <a:avLst/>
+          </a:prstGeom>
+        </p:spPr>
+      </p:pic>
+    </p:spTree>
+    <p:extLst>
+      <p:ext uri="{BB962C8B-B14F-4D97-AF65-F5344CB8AC3E}">
+        <p14:creationId xmlns:p14="http://schemas.microsoft.com/office/powerpoint/2010/main" val="351856015"/>
+      </p:ext>
+    </p:extLst>
+  </p:cSld>
+  <p:clrMapOvr>
+    <a:masterClrMapping/>
+  </p:clrMapOvr>
+</p:sld>
+</file>
+
+<file path=ppt/slides/slide21.xml><?xml version="1.0" encoding="utf-8"?>
+<p:sld xmlns:a="http://schemas.openxmlformats.org/drawingml/2006/main" xmlns:r="http://schemas.openxmlformats.org/officeDocument/2006/relationships" xmlns:p="http://schemas.openxmlformats.org/presentationml/2006/main">
+  <p:cSld>
+    <p:spTree>
+      <p:nvGrpSpPr>
+        <p:cNvPr id="1" name=""/>
+        <p:cNvGrpSpPr/>
+        <p:nvPr/>
+      </p:nvGrpSpPr>
+      <p:grpSpPr>
+        <a:xfrm>
+          <a:off x="0" y="0"/>
+          <a:ext cx="0" cy="0"/>
+          <a:chOff x="0" y="0"/>
+          <a:chExt cx="0" cy="0"/>
+        </a:xfrm>
+      </p:grpSpPr>
+      <p:sp>
+        <p:nvSpPr>
+          <p:cNvPr id="2" name="Title 1">
+            <a:extLst>
+              <a:ext uri="{FF2B5EF4-FFF2-40B4-BE49-F238E27FC236}">
+                <a16:creationId xmlns:a16="http://schemas.microsoft.com/office/drawing/2014/main" id="{65B67FF2-D3BC-9E34-47BD-A3320E2DF588}"/>
+              </a:ext>
+            </a:extLst>
+          </p:cNvPr>
+          <p:cNvSpPr>
+            <a:spLocks noGrp="1"/>
+          </p:cNvSpPr>
+          <p:nvPr>
+            <p:ph type="title"/>
+          </p:nvPr>
+        </p:nvSpPr>
+        <p:spPr/>
+        <p:txBody>
+          <a:bodyPr/>
+          <a:lstStyle/>
+          <a:p>
+            <a:r>
+              <a:rPr lang="en-IN" dirty="0"/>
+              <a:t>6_client_onboarding_system</a:t>
+            </a:r>
+            <a:endParaRPr lang="en-GB" dirty="0"/>
+          </a:p>
+        </p:txBody>
+      </p:sp>
+      <p:sp>
+        <p:nvSpPr>
+          <p:cNvPr id="3" name="Content Placeholder 2">
+            <a:extLst>
+              <a:ext uri="{FF2B5EF4-FFF2-40B4-BE49-F238E27FC236}">
+                <a16:creationId xmlns:a16="http://schemas.microsoft.com/office/drawing/2014/main" id="{8B423707-69A2-FDD3-27FA-186F79A3DB49}"/>
+              </a:ext>
+            </a:extLst>
+          </p:cNvPr>
+          <p:cNvSpPr>
+            <a:spLocks noGrp="1"/>
+          </p:cNvSpPr>
+          <p:nvPr>
+            <p:ph idx="1"/>
+          </p:nvPr>
+        </p:nvSpPr>
+        <p:spPr/>
+        <p:txBody>
+          <a:bodyPr/>
+          <a:lstStyle/>
+          <a:p>
+            <a:r>
+              <a:rPr lang="en-IN" dirty="0"/>
+              <a:t>In Google Sheets, create a file </a:t>
+            </a:r>
+            <a:r>
+              <a:rPr lang="en-IN" dirty="0" err="1"/>
+              <a:t>client_onboarding</a:t>
+            </a:r>
+            <a:r>
+              <a:rPr lang="en-IN" dirty="0"/>
+              <a:t> with columns Name, Email, and Summary</a:t>
+            </a:r>
+          </a:p>
+          <a:p>
+            <a:r>
+              <a:rPr lang="en-IN" dirty="0"/>
+              <a:t>Now attach google sheet node and test</a:t>
+            </a:r>
+            <a:endParaRPr lang="en-GB" dirty="0"/>
+          </a:p>
+        </p:txBody>
+      </p:sp>
+      <p:pic>
+        <p:nvPicPr>
+          <p:cNvPr id="5" name="Picture 4">
+            <a:extLst>
+              <a:ext uri="{FF2B5EF4-FFF2-40B4-BE49-F238E27FC236}">
+                <a16:creationId xmlns:a16="http://schemas.microsoft.com/office/drawing/2014/main" id="{F27BB9AE-913D-5FF2-B6AC-1D7DCE1325C8}"/>
+              </a:ext>
+            </a:extLst>
+          </p:cNvPr>
+          <p:cNvPicPr>
+            <a:picLocks noChangeAspect="1"/>
+          </p:cNvPicPr>
+          <p:nvPr/>
+        </p:nvPicPr>
+        <p:blipFill>
+          <a:blip r:embed="rId2"/>
+          <a:stretch>
+            <a:fillRect/>
+          </a:stretch>
+        </p:blipFill>
+        <p:spPr>
+          <a:xfrm>
+            <a:off x="8697011" y="2282510"/>
+            <a:ext cx="2560539" cy="4421925"/>
+          </a:xfrm>
+          <a:prstGeom prst="rect">
+            <a:avLst/>
+          </a:prstGeom>
+        </p:spPr>
+      </p:pic>
+      <p:pic>
+        <p:nvPicPr>
+          <p:cNvPr id="7" name="Picture 6">
+            <a:extLst>
+              <a:ext uri="{FF2B5EF4-FFF2-40B4-BE49-F238E27FC236}">
+                <a16:creationId xmlns:a16="http://schemas.microsoft.com/office/drawing/2014/main" id="{563485BA-2571-052B-9499-312C0A390281}"/>
+              </a:ext>
+            </a:extLst>
+          </p:cNvPr>
+          <p:cNvPicPr>
+            <a:picLocks noChangeAspect="1"/>
+          </p:cNvPicPr>
+          <p:nvPr/>
+        </p:nvPicPr>
+        <p:blipFill>
+          <a:blip r:embed="rId3"/>
+          <a:stretch>
+            <a:fillRect/>
+          </a:stretch>
+        </p:blipFill>
+        <p:spPr>
+          <a:xfrm>
+            <a:off x="703824" y="3290744"/>
+            <a:ext cx="7067901" cy="3413691"/>
+          </a:xfrm>
+          <a:prstGeom prst="rect">
+            <a:avLst/>
+          </a:prstGeom>
+        </p:spPr>
+      </p:pic>
+    </p:spTree>
+    <p:extLst>
+      <p:ext uri="{BB962C8B-B14F-4D97-AF65-F5344CB8AC3E}">
+        <p14:creationId xmlns:p14="http://schemas.microsoft.com/office/powerpoint/2010/main" val="837600018"/>
+      </p:ext>
+    </p:extLst>
+  </p:cSld>
+  <p:clrMapOvr>
+    <a:masterClrMapping/>
+  </p:clrMapOvr>
+</p:sld>
+</file>
+
+<file path=ppt/slides/slide22.xml><?xml version="1.0" encoding="utf-8"?>
+<p:sld xmlns:a="http://schemas.openxmlformats.org/drawingml/2006/main" xmlns:r="http://schemas.openxmlformats.org/officeDocument/2006/relationships" xmlns:p="http://schemas.openxmlformats.org/presentationml/2006/main">
+  <p:cSld>
+    <p:spTree>
+      <p:nvGrpSpPr>
+        <p:cNvPr id="1" name=""/>
+        <p:cNvGrpSpPr/>
+        <p:nvPr/>
+      </p:nvGrpSpPr>
+      <p:grpSpPr>
+        <a:xfrm>
+          <a:off x="0" y="0"/>
+          <a:ext cx="0" cy="0"/>
+          <a:chOff x="0" y="0"/>
+          <a:chExt cx="0" cy="0"/>
+        </a:xfrm>
+      </p:grpSpPr>
+      <p:sp>
+        <p:nvSpPr>
+          <p:cNvPr id="2" name="Title 1">
+            <a:extLst>
+              <a:ext uri="{FF2B5EF4-FFF2-40B4-BE49-F238E27FC236}">
+                <a16:creationId xmlns:a16="http://schemas.microsoft.com/office/drawing/2014/main" id="{836A1A8F-374E-16A5-8457-A3A99824A863}"/>
+              </a:ext>
+            </a:extLst>
+          </p:cNvPr>
+          <p:cNvSpPr>
+            <a:spLocks noGrp="1"/>
+          </p:cNvSpPr>
+          <p:nvPr>
+            <p:ph type="title"/>
+          </p:nvPr>
+        </p:nvSpPr>
+        <p:spPr/>
+        <p:txBody>
+          <a:bodyPr/>
+          <a:lstStyle/>
+          <a:p>
+            <a:r>
+              <a:rPr lang="en-IN" noProof="0" dirty="0"/>
+              <a:t>Google Credentials Setup</a:t>
+            </a:r>
+          </a:p>
+        </p:txBody>
+      </p:sp>
+      <p:sp>
+        <p:nvSpPr>
+          <p:cNvPr id="3" name="Content Placeholder 2">
+            <a:extLst>
+              <a:ext uri="{FF2B5EF4-FFF2-40B4-BE49-F238E27FC236}">
+                <a16:creationId xmlns:a16="http://schemas.microsoft.com/office/drawing/2014/main" id="{DCBC836B-EE28-BAA4-CD93-0C3824FA31AE}"/>
+              </a:ext>
+            </a:extLst>
+          </p:cNvPr>
+          <p:cNvSpPr>
+            <a:spLocks noGrp="1"/>
+          </p:cNvSpPr>
+          <p:nvPr>
+            <p:ph idx="1"/>
+          </p:nvPr>
+        </p:nvSpPr>
+        <p:spPr/>
+        <p:txBody>
+          <a:bodyPr>
+            <a:normAutofit fontScale="70000" lnSpcReduction="20000"/>
+          </a:bodyPr>
+          <a:lstStyle/>
+          <a:p>
+            <a:r>
+              <a:rPr lang="en-IN" noProof="0" dirty="0"/>
+              <a:t>In n8n, on a new workflow screen, search for google drive select Triggers -&gt; On changes involving a specific folder</a:t>
+            </a:r>
+          </a:p>
+          <a:p>
+            <a:r>
+              <a:rPr lang="en-IN" noProof="0" dirty="0"/>
+              <a:t>Credentials to connect with -&gt; Create new credential</a:t>
+            </a:r>
+          </a:p>
+          <a:p>
+            <a:r>
+              <a:rPr lang="en-IN" noProof="0" dirty="0"/>
+              <a:t>In the browser: console.cloud.google.com -&gt; API and services -&gt; Click on My first project -&gt; New project -&gt; Project name: n8ndemo -&gt; Location: Do not change -&gt; Create</a:t>
+            </a:r>
+          </a:p>
+          <a:p>
+            <a:r>
+              <a:rPr lang="en-IN" noProof="0" dirty="0"/>
+              <a:t>Select n8ndemo -&gt; Enable APIs and services -&gt; Google Drive API -&gt; Enable</a:t>
+            </a:r>
+          </a:p>
+          <a:p>
+            <a:r>
+              <a:rPr lang="en-IN" noProof="0" dirty="0"/>
+              <a:t>Credentials -&gt; Create credentials -&gt; OAuth Client ID -&gt; Configure consent screen -&gt; Get started</a:t>
+            </a:r>
+          </a:p>
+          <a:p>
+            <a:r>
+              <a:rPr lang="en-IN" noProof="0" dirty="0"/>
+              <a:t>App name: n8n-app -&gt; Email: Our email id -&gt; Next -&gt; Audience: External -&gt; Next -&gt; Contact information -&gt; Our email id -&gt; Next -&gt; Agree -&gt; Continue -&gt; Create</a:t>
+            </a:r>
+          </a:p>
+          <a:p>
+            <a:r>
+              <a:rPr lang="en-IN" noProof="0" dirty="0"/>
+              <a:t>Audience -&gt; Add users -&gt; Our email id</a:t>
+            </a:r>
+          </a:p>
+          <a:p>
+            <a:r>
+              <a:rPr lang="en-IN" noProof="0" dirty="0"/>
+              <a:t>Clients -&gt; Create client -&gt; Application type: Web application -&gt; Authorized Redirect URIs -&gt; Copy paste from n8n screen -&gt; Create -&gt; Copy client id and Client secret and paste in n8n screen</a:t>
+            </a:r>
+          </a:p>
+          <a:p>
+            <a:r>
+              <a:rPr lang="en-IN" noProof="0" dirty="0"/>
+              <a:t>On the google page -&gt; Search for </a:t>
+            </a:r>
+            <a:r>
+              <a:rPr lang="en-IN" noProof="0" dirty="0" err="1"/>
+              <a:t>gmail</a:t>
+            </a:r>
+            <a:r>
+              <a:rPr lang="en-IN" noProof="0" dirty="0"/>
+              <a:t> -&gt; Enable … Repeat for Sheets, Calendar</a:t>
+            </a:r>
+          </a:p>
+          <a:p>
+            <a:r>
+              <a:rPr lang="en-IN" noProof="0" dirty="0"/>
+              <a:t>Now n8n screen again -&gt; Save and test connection</a:t>
+            </a:r>
+          </a:p>
+        </p:txBody>
+      </p:sp>
+    </p:spTree>
+    <p:extLst>
+      <p:ext uri="{BB962C8B-B14F-4D97-AF65-F5344CB8AC3E}">
+        <p14:creationId xmlns:p14="http://schemas.microsoft.com/office/powerpoint/2010/main" val="3662757700"/>
+      </p:ext>
+    </p:extLst>
+  </p:cSld>
+  <p:clrMapOvr>
+    <a:masterClrMapping/>
+  </p:clrMapOvr>
+</p:sld>
+</file>
+
+<file path=ppt/slides/slide23.xml><?xml version="1.0" encoding="utf-8"?>
+<p:sld xmlns:a="http://schemas.openxmlformats.org/drawingml/2006/main" xmlns:r="http://schemas.openxmlformats.org/officeDocument/2006/relationships" xmlns:p="http://schemas.openxmlformats.org/presentationml/2006/main">
+  <p:cSld>
+    <p:spTree>
+      <p:nvGrpSpPr>
+        <p:cNvPr id="1" name=""/>
+        <p:cNvGrpSpPr/>
+        <p:nvPr/>
+      </p:nvGrpSpPr>
+      <p:grpSpPr>
+        <a:xfrm>
+          <a:off x="0" y="0"/>
+          <a:ext cx="0" cy="0"/>
+          <a:chOff x="0" y="0"/>
+          <a:chExt cx="0" cy="0"/>
+        </a:xfrm>
+      </p:grpSpPr>
+      <p:sp>
+        <p:nvSpPr>
+          <p:cNvPr id="2" name="Title 1">
+            <a:extLst>
+              <a:ext uri="{FF2B5EF4-FFF2-40B4-BE49-F238E27FC236}">
+                <a16:creationId xmlns:a16="http://schemas.microsoft.com/office/drawing/2014/main" id="{47C0CCF4-3235-056E-56E3-CF8CE9E2A76F}"/>
+              </a:ext>
+            </a:extLst>
+          </p:cNvPr>
+          <p:cNvSpPr>
+            <a:spLocks noGrp="1"/>
+          </p:cNvSpPr>
+          <p:nvPr>
+            <p:ph type="title"/>
+          </p:nvPr>
+        </p:nvSpPr>
+        <p:spPr/>
+        <p:txBody>
+          <a:bodyPr/>
+          <a:lstStyle/>
+          <a:p>
+            <a:r>
+              <a:rPr lang="en-IN" noProof="0" dirty="0"/>
+              <a:t>Discord Setup</a:t>
+            </a:r>
+          </a:p>
+        </p:txBody>
+      </p:sp>
+      <p:sp>
+        <p:nvSpPr>
+          <p:cNvPr id="3" name="Content Placeholder 2">
+            <a:extLst>
+              <a:ext uri="{FF2B5EF4-FFF2-40B4-BE49-F238E27FC236}">
+                <a16:creationId xmlns:a16="http://schemas.microsoft.com/office/drawing/2014/main" id="{9CDE4870-1F13-4643-0335-DFE70A96C89B}"/>
+              </a:ext>
+            </a:extLst>
+          </p:cNvPr>
+          <p:cNvSpPr>
+            <a:spLocks noGrp="1"/>
+          </p:cNvSpPr>
+          <p:nvPr>
+            <p:ph idx="1"/>
+          </p:nvPr>
+        </p:nvSpPr>
+        <p:spPr/>
+        <p:txBody>
+          <a:bodyPr/>
+          <a:lstStyle/>
+          <a:p>
+            <a:r>
+              <a:rPr lang="en-IN" noProof="0" dirty="0"/>
+              <a:t>Create a new account on Discord, or log in</a:t>
+            </a:r>
+          </a:p>
+          <a:p>
+            <a:r>
+              <a:rPr lang="en-IN" noProof="0" dirty="0"/>
+              <a:t>Create a new channel named n8n</a:t>
+            </a:r>
+          </a:p>
+          <a:p>
+            <a:r>
+              <a:rPr lang="en-IN" noProof="0" dirty="0"/>
+              <a:t>Click the edit channel button next to the channel name</a:t>
+            </a:r>
+          </a:p>
+          <a:p>
+            <a:r>
+              <a:rPr lang="en-IN" noProof="0" dirty="0"/>
+              <a:t>Integrations -&gt; Webhooks -&gt; New Webhook -&gt; Spidey Bot -&gt; Copy Webhook URL</a:t>
+            </a:r>
+          </a:p>
+          <a:p>
+            <a:r>
+              <a:rPr lang="en-IN" noProof="0" dirty="0"/>
+              <a:t>In n8n integration for Discord, Connection type: Webhook -&gt; Create new credentials -&gt; Paste the above Webhook URL from Discord</a:t>
+            </a:r>
+          </a:p>
+          <a:p>
+            <a:r>
+              <a:rPr lang="en-IN" noProof="0" dirty="0"/>
+              <a:t>Operation -&gt; Send a message</a:t>
+            </a:r>
+          </a:p>
+        </p:txBody>
+      </p:sp>
+    </p:spTree>
+    <p:extLst>
+      <p:ext uri="{BB962C8B-B14F-4D97-AF65-F5344CB8AC3E}">
+        <p14:creationId xmlns:p14="http://schemas.microsoft.com/office/powerpoint/2010/main" val="1406343923"/>
+      </p:ext>
+    </p:extLst>
+  </p:cSld>
+  <p:clrMapOvr>
+    <a:masterClrMapping/>
+  </p:clrMapOvr>
+</p:sld>
+</file>
+
+<file path=ppt/slides/slide24.xml><?xml version="1.0" encoding="utf-8"?>
+<p:sld xmlns:a="http://schemas.openxmlformats.org/drawingml/2006/main" xmlns:r="http://schemas.openxmlformats.org/officeDocument/2006/relationships" xmlns:p="http://schemas.openxmlformats.org/presentationml/2006/main">
+  <p:cSld>
+    <p:spTree>
+      <p:nvGrpSpPr>
+        <p:cNvPr id="1" name=""/>
+        <p:cNvGrpSpPr/>
+        <p:nvPr/>
+      </p:nvGrpSpPr>
+      <p:grpSpPr>
+        <a:xfrm>
+          <a:off x="0" y="0"/>
+          <a:ext cx="0" cy="0"/>
+          <a:chOff x="0" y="0"/>
+          <a:chExt cx="0" cy="0"/>
+        </a:xfrm>
+      </p:grpSpPr>
+      <p:sp>
+        <p:nvSpPr>
+          <p:cNvPr id="2" name="Title 1">
+            <a:extLst>
+              <a:ext uri="{FF2B5EF4-FFF2-40B4-BE49-F238E27FC236}">
+                <a16:creationId xmlns:a16="http://schemas.microsoft.com/office/drawing/2014/main" id="{2F904521-DA4A-C0F9-E5EC-587137FF3D84}"/>
+              </a:ext>
+            </a:extLst>
+          </p:cNvPr>
+          <p:cNvSpPr>
+            <a:spLocks noGrp="1"/>
+          </p:cNvSpPr>
+          <p:nvPr>
+            <p:ph type="title"/>
+          </p:nvPr>
+        </p:nvSpPr>
+        <p:spPr/>
+        <p:txBody>
+          <a:bodyPr/>
+          <a:lstStyle/>
+          <a:p>
+            <a:r>
+              <a:rPr lang="en-IN" noProof="0" dirty="0"/>
+              <a:t>n8n and LLM</a:t>
+            </a:r>
+          </a:p>
+        </p:txBody>
+      </p:sp>
+      <p:sp>
+        <p:nvSpPr>
+          <p:cNvPr id="3" name="Content Placeholder 2">
+            <a:extLst>
+              <a:ext uri="{FF2B5EF4-FFF2-40B4-BE49-F238E27FC236}">
+                <a16:creationId xmlns:a16="http://schemas.microsoft.com/office/drawing/2014/main" id="{3846F2F7-67A1-D665-788F-F0CBDC8CA96A}"/>
+              </a:ext>
+            </a:extLst>
+          </p:cNvPr>
+          <p:cNvSpPr>
+            <a:spLocks noGrp="1"/>
+          </p:cNvSpPr>
+          <p:nvPr>
+            <p:ph idx="1"/>
+          </p:nvPr>
+        </p:nvSpPr>
+        <p:spPr/>
+        <p:txBody>
+          <a:bodyPr/>
+          <a:lstStyle/>
+          <a:p>
+            <a:r>
+              <a:rPr lang="en-IN" noProof="0" dirty="0"/>
+              <a:t>To connect n8n to an LLM</a:t>
+            </a:r>
+          </a:p>
+          <a:p>
+            <a:pPr lvl="1"/>
+            <a:r>
+              <a:rPr lang="en-IN" noProof="0" dirty="0"/>
+              <a:t>First add a chat trigger node</a:t>
+            </a:r>
+          </a:p>
+          <a:p>
+            <a:pPr lvl="1"/>
+            <a:r>
+              <a:rPr lang="en-IN" noProof="0" dirty="0"/>
+              <a:t>Then add an agent node</a:t>
+            </a:r>
+          </a:p>
+          <a:p>
+            <a:r>
+              <a:rPr lang="en-IN" noProof="0" dirty="0"/>
+              <a:t>For using local Ollama with n8n running as a Docker container</a:t>
+            </a:r>
+          </a:p>
+          <a:p>
+            <a:pPr lvl="1"/>
+            <a:r>
+              <a:rPr lang="en-IN" noProof="0" dirty="0"/>
+              <a:t>For the Ollama account setup on n8n</a:t>
+            </a:r>
+          </a:p>
+          <a:p>
+            <a:pPr lvl="2"/>
+            <a:r>
+              <a:rPr lang="en-IN" noProof="0" dirty="0"/>
+              <a:t>Create new credential -&gt; Base URL: http://host.docker.internal:11434 -&gt; API key: </a:t>
+            </a:r>
+            <a:r>
+              <a:rPr lang="en-IN" noProof="0" dirty="0" err="1"/>
+              <a:t>ollama</a:t>
+            </a:r>
+            <a:r>
+              <a:rPr lang="en-IN" noProof="0" dirty="0"/>
+              <a:t> -&gt; Model: llama 3.2 (Or whatever we have downloaded on our machine)</a:t>
+            </a:r>
+          </a:p>
+          <a:p>
+            <a:pPr lvl="1"/>
+            <a:endParaRPr lang="en-IN" noProof="0" dirty="0"/>
+          </a:p>
+          <a:p>
+            <a:pPr lvl="2"/>
+            <a:endParaRPr lang="en-IN" noProof="0" dirty="0"/>
+          </a:p>
+        </p:txBody>
+      </p:sp>
+    </p:spTree>
+    <p:extLst>
+      <p:ext uri="{BB962C8B-B14F-4D97-AF65-F5344CB8AC3E}">
+        <p14:creationId xmlns:p14="http://schemas.microsoft.com/office/powerpoint/2010/main" val="1264270177"/>
       </p:ext>
     </p:extLst>
   </p:cSld>
@@ -5957,11 +6854,16 @@
           </p:cNvGraphicFramePr>
           <p:nvPr>
             <p:ph idx="1"/>
+            <p:extLst>
+              <p:ext uri="{D42A27DB-BD31-4B8C-83A1-F6EECF244321}">
+                <p14:modId xmlns:p14="http://schemas.microsoft.com/office/powerpoint/2010/main" val="4053583671"/>
+              </p:ext>
+            </p:extLst>
           </p:nvPr>
         </p:nvGraphicFramePr>
         <p:xfrm>
           <a:off x="838200" y="1825625"/>
-          <a:ext cx="10515600" cy="3302000"/>
+          <a:ext cx="10515600" cy="3672840"/>
         </p:xfrm>
         <a:graphic>
           <a:graphicData uri="http://schemas.openxmlformats.org/drawingml/2006/table">
@@ -6092,48 +6994,7 @@
                     <a:p>
                       <a:r>
                         <a:rPr lang="en-IN" noProof="0" dirty="0"/>
-                        <a:t>3_webhook_search_amazon*</a:t>
-                      </a:r>
-                    </a:p>
-                  </a:txBody>
-                  <a:tcPr/>
-                </a:tc>
-                <a:tc>
-                  <a:txBody>
-                    <a:bodyPr/>
-                    <a:lstStyle/>
-                    <a:p>
-                      <a:r>
-                        <a:rPr lang="en-IN" noProof="0" dirty="0"/>
-                        <a:t>Use a Webhook, Postman, </a:t>
-                      </a:r>
-                      <a:r>
-                        <a:rPr lang="en-IN" noProof="0" dirty="0" err="1"/>
-                        <a:t>Serp</a:t>
-                      </a:r>
-                      <a:r>
-                        <a:rPr lang="en-IN" noProof="0" dirty="0"/>
-                        <a:t> Search to allow the user to search for something in Amazon</a:t>
-                      </a:r>
-                    </a:p>
-                  </a:txBody>
-                  <a:tcPr/>
-                </a:tc>
-                <a:extLst>
-                  <a:ext uri="{0D108BD9-81ED-4DB2-BD59-A6C34878D82A}">
-                    <a16:rowId xmlns:a16="http://schemas.microsoft.com/office/drawing/2014/main" val="2241042412"/>
-                  </a:ext>
-                </a:extLst>
-              </a:tr>
-              <a:tr h="370840">
-                <a:tc>
-                  <a:txBody>
-                    <a:bodyPr/>
-                    <a:lstStyle/>
-                    <a:p>
-                      <a:r>
-                        <a:rPr lang="en-IN" noProof="0" dirty="0"/>
-                        <a:t>4_form_sheet_email</a:t>
+                        <a:t>3_form_sheet_email</a:t>
                       </a:r>
                     </a:p>
                   </a:txBody>
@@ -6166,7 +7027,7 @@
                     <a:p>
                       <a:r>
                         <a:rPr lang="en-IN" noProof="0" dirty="0"/>
-                        <a:t>5_read_cheque*</a:t>
+                        <a:t>4_read_cheque*</a:t>
                       </a:r>
                     </a:p>
                   </a:txBody>
@@ -6196,6 +7057,94 @@
                 <a:extLst>
                   <a:ext uri="{0D108BD9-81ED-4DB2-BD59-A6C34878D82A}">
                     <a16:rowId xmlns:a16="http://schemas.microsoft.com/office/drawing/2014/main" val="71558824"/>
+                  </a:ext>
+                </a:extLst>
+              </a:tr>
+              <a:tr h="370840">
+                <a:tc>
+                  <a:txBody>
+                    <a:bodyPr/>
+                    <a:lstStyle/>
+                    <a:p>
+                      <a:r>
+                        <a:rPr lang="en-IN" noProof="0" dirty="0"/>
+                        <a:t>5_google_sheet_airtable</a:t>
+                      </a:r>
+                    </a:p>
+                  </a:txBody>
+                  <a:tcPr/>
+                </a:tc>
+                <a:tc>
+                  <a:txBody>
+                    <a:bodyPr/>
+                    <a:lstStyle/>
+                    <a:p>
+                      <a:r>
+                        <a:rPr lang="en-IN" noProof="0" dirty="0"/>
+                        <a:t>When a file is added to google drive, email it to an ID and note in </a:t>
+                      </a:r>
+                      <a:r>
+                        <a:rPr lang="en-IN" noProof="0" dirty="0" err="1"/>
+                        <a:t>Airtable</a:t>
+                      </a:r>
+                      <a:endParaRPr lang="en-IN" noProof="0" dirty="0"/>
+                    </a:p>
+                  </a:txBody>
+                  <a:tcPr/>
+                </a:tc>
+                <a:extLst>
+                  <a:ext uri="{0D108BD9-81ED-4DB2-BD59-A6C34878D82A}">
+                    <a16:rowId xmlns:a16="http://schemas.microsoft.com/office/drawing/2014/main" val="3973183499"/>
+                  </a:ext>
+                </a:extLst>
+              </a:tr>
+              <a:tr h="370840">
+                <a:tc>
+                  <a:txBody>
+                    <a:bodyPr/>
+                    <a:lstStyle/>
+                    <a:p>
+                      <a:r>
+                        <a:rPr lang="en-IN" noProof="0" dirty="0"/>
+                        <a:t>6_client_onboarding_system</a:t>
+                      </a:r>
+                    </a:p>
+                  </a:txBody>
+                  <a:tcPr/>
+                </a:tc>
+                <a:tc>
+                  <a:txBody>
+                    <a:bodyPr/>
+                    <a:lstStyle/>
+                    <a:p>
+                      <a:pPr marL="0" marR="0" lvl="0" indent="0" algn="l" defTabSz="914400" rtl="0" eaLnBrk="1" fontAlgn="auto" latinLnBrk="0" hangingPunct="1">
+                        <a:lnSpc>
+                          <a:spcPct val="100000"/>
+                        </a:lnSpc>
+                        <a:spcBef>
+                          <a:spcPts val="0"/>
+                        </a:spcBef>
+                        <a:spcAft>
+                          <a:spcPts val="0"/>
+                        </a:spcAft>
+                        <a:buClrTx/>
+                        <a:buSzTx/>
+                        <a:buFontTx/>
+                        <a:buNone/>
+                        <a:tabLst/>
+                        <a:defRPr/>
+                      </a:pPr>
+                      <a:r>
+                        <a:rPr lang="en-IN" noProof="0" dirty="0"/>
+                        <a:t>When a new prospective client inquires, acknowledge the inquiry by email and store the client details in Google Sheets</a:t>
+                      </a:r>
+                    </a:p>
+                  </a:txBody>
+                  <a:tcPr/>
+                </a:tc>
+                <a:extLst>
+                  <a:ext uri="{0D108BD9-81ED-4DB2-BD59-A6C34878D82A}">
+                    <a16:rowId xmlns:a16="http://schemas.microsoft.com/office/drawing/2014/main" val="2581755597"/>
                   </a:ext>
                 </a:extLst>
               </a:tr>
@@ -6340,13 +7289,7 @@
   <p:cSld>
     <p:spTree>
       <p:nvGrpSpPr>
-        <p:cNvPr id="1" name="">
-          <a:extLst>
-            <a:ext uri="{FF2B5EF4-FFF2-40B4-BE49-F238E27FC236}">
-              <a16:creationId xmlns:a16="http://schemas.microsoft.com/office/drawing/2014/main" id="{F3FE48D5-663B-8EF4-62C4-2B2C9EC5A077}"/>
-            </a:ext>
-          </a:extLst>
-        </p:cNvPr>
+        <p:cNvPr id="1" name=""/>
         <p:cNvGrpSpPr/>
         <p:nvPr/>
       </p:nvGrpSpPr>
@@ -6363,7 +7306,7 @@
           <p:cNvPr id="2" name="Title 1">
             <a:extLst>
               <a:ext uri="{FF2B5EF4-FFF2-40B4-BE49-F238E27FC236}">
-                <a16:creationId xmlns:a16="http://schemas.microsoft.com/office/drawing/2014/main" id="{A188ED86-A08E-9A80-21AE-4B1D9C5B67FC}"/>
+                <a16:creationId xmlns:a16="http://schemas.microsoft.com/office/drawing/2014/main" id="{00A3FABD-6BDF-0D2E-9FD7-376EA827D3E0}"/>
               </a:ext>
             </a:extLst>
           </p:cNvPr>
@@ -6381,7 +7324,7 @@
           <a:p>
             <a:r>
               <a:rPr lang="en-IN" noProof="0" dirty="0"/>
-              <a:t>3_webhook_search_amazon</a:t>
+              <a:t>4_read_cheque</a:t>
             </a:r>
           </a:p>
         </p:txBody>
@@ -6391,7 +7334,7 @@
           <p:cNvPr id="3" name="Content Placeholder 2">
             <a:extLst>
               <a:ext uri="{FF2B5EF4-FFF2-40B4-BE49-F238E27FC236}">
-                <a16:creationId xmlns:a16="http://schemas.microsoft.com/office/drawing/2014/main" id="{FCCD7236-247F-222A-E54B-DABDF478F3D9}"/>
+                <a16:creationId xmlns:a16="http://schemas.microsoft.com/office/drawing/2014/main" id="{DF3FD78C-65D6-4D2D-CB5B-E1BFFD11F728}"/>
               </a:ext>
             </a:extLst>
           </p:cNvPr>
@@ -6405,113 +7348,105 @@
         <p:spPr/>
         <p:txBody>
           <a:bodyPr>
-            <a:normAutofit fontScale="92500" lnSpcReduction="20000"/>
+            <a:normAutofit fontScale="92500" lnSpcReduction="10000"/>
           </a:bodyPr>
           <a:lstStyle/>
           <a:p>
             <a:r>
               <a:rPr lang="en-IN" noProof="0" dirty="0"/>
-              <a:t>In a new workflow, add Webhook</a:t>
+              <a:t>Sign up on </a:t>
+            </a:r>
+            <a:r>
+              <a:rPr lang="en-IN" noProof="0" dirty="0" err="1"/>
+              <a:t>airtable</a:t>
+            </a:r>
+            <a:endParaRPr lang="en-IN" noProof="0" dirty="0"/>
+          </a:p>
+          <a:p>
+            <a:r>
+              <a:rPr lang="en-IN" dirty="0"/>
+              <a:t>Create a new workspace and name it as n8n</a:t>
             </a:r>
           </a:p>
           <a:p>
             <a:r>
               <a:rPr lang="en-IN" noProof="0" dirty="0"/>
-              <a:t>HTTP Method: POST</a:t>
-            </a:r>
-          </a:p>
-          <a:p>
-            <a:r>
-              <a:rPr lang="en-IN" noProof="0" dirty="0"/>
-              <a:t>Click on Production URL and copy it and save it somewhere</a:t>
-            </a:r>
-          </a:p>
-          <a:p>
-            <a:r>
-              <a:rPr lang="en-IN" noProof="0" dirty="0"/>
-              <a:t>Add + to attach a node to the Webhook and type “search”</a:t>
-            </a:r>
-          </a:p>
-          <a:p>
-            <a:r>
-              <a:rPr lang="en-IN" noProof="0" dirty="0"/>
-              <a:t>Select “Google Search Console” and install</a:t>
-            </a:r>
-          </a:p>
-          <a:p>
-            <a:r>
-              <a:rPr lang="en-IN" noProof="0" dirty="0"/>
-              <a:t>Now in the search box, </a:t>
+              <a:t>Create a new base (like Database) named </a:t>
             </a:r>
             <a:r>
               <a:rPr lang="en-IN" noProof="0" dirty="0" err="1"/>
-              <a:t>SerpAPI</a:t>
-            </a:r>
-            <a:r>
-              <a:rPr lang="en-IN" noProof="0" dirty="0"/>
-              <a:t> Official should appear -&gt; Select it</a:t>
-            </a:r>
-          </a:p>
-          <a:p>
-            <a:r>
-              <a:rPr lang="en-IN" noProof="0" dirty="0"/>
-              <a:t>Actions -&gt; Search Amazon</a:t>
-            </a:r>
-          </a:p>
-          <a:p>
-            <a:r>
-              <a:rPr lang="en-IN" noProof="0" dirty="0"/>
-              <a:t>Search query -&gt; Keep blank</a:t>
-            </a:r>
-          </a:p>
-          <a:p>
-            <a:r>
-              <a:rPr lang="en-IN" noProof="0" dirty="0"/>
-              <a:t>Domain: amazon.in</a:t>
-            </a:r>
-          </a:p>
-          <a:p>
-            <a:r>
-              <a:rPr lang="en-IN" noProof="0" dirty="0"/>
-              <a:t>Open Postman (We would need local download, since for localhost, the web version does not work) … See next slide</a:t>
-            </a:r>
-          </a:p>
-        </p:txBody>
-      </p:sp>
-      <p:pic>
-        <p:nvPicPr>
-          <p:cNvPr id="5" name="Picture 4">
-            <a:extLst>
-              <a:ext uri="{FF2B5EF4-FFF2-40B4-BE49-F238E27FC236}">
-                <a16:creationId xmlns:a16="http://schemas.microsoft.com/office/drawing/2014/main" id="{75A0F369-809E-F774-3FF2-F0C423AB5277}"/>
-              </a:ext>
-            </a:extLst>
-          </p:cNvPr>
-          <p:cNvPicPr>
-            <a:picLocks noChangeAspect="1"/>
-          </p:cNvPicPr>
-          <p:nvPr/>
-        </p:nvPicPr>
-        <p:blipFill>
-          <a:blip r:embed="rId2"/>
-          <a:stretch>
-            <a:fillRect/>
-          </a:stretch>
-        </p:blipFill>
-        <p:spPr>
-          <a:xfrm>
-            <a:off x="7622799" y="765706"/>
-            <a:ext cx="2700846" cy="1639270"/>
-          </a:xfrm>
-          <a:prstGeom prst="rect">
-            <a:avLst/>
-          </a:prstGeom>
-        </p:spPr>
-      </p:pic>
+              <a:t>cheques_data</a:t>
+            </a:r>
+            <a:endParaRPr lang="en-IN" noProof="0" dirty="0"/>
+          </a:p>
+          <a:p>
+            <a:r>
+              <a:rPr lang="en-IN" dirty="0"/>
+              <a:t>Open </a:t>
+            </a:r>
+            <a:r>
+              <a:rPr lang="en-IN" dirty="0" err="1"/>
+              <a:t>cheques_data</a:t>
+            </a:r>
+            <a:r>
+              <a:rPr lang="en-IN" dirty="0"/>
+              <a:t> and create a table named cheque: Columns id, payer, payee, </a:t>
+            </a:r>
+            <a:r>
+              <a:rPr lang="en-IN" dirty="0" err="1"/>
+              <a:t>cheque_date</a:t>
+            </a:r>
+            <a:r>
+              <a:rPr lang="en-IN" dirty="0"/>
+              <a:t>, amount, bank, raw</a:t>
+            </a:r>
+          </a:p>
+          <a:p>
+            <a:r>
+              <a:rPr lang="en-IN" dirty="0"/>
+              <a:t>On the n8n Screen, click on your account icon (bottom left) -&gt; Builder hub -&gt; Create token -&gt; name as n8n -&gt; Scopes: </a:t>
+            </a:r>
+            <a:r>
+              <a:rPr lang="en-IN" dirty="0" err="1"/>
+              <a:t>data.records:write</a:t>
+            </a:r>
+            <a:r>
+              <a:rPr lang="en-IN" dirty="0"/>
+              <a:t> and </a:t>
+            </a:r>
+            <a:r>
+              <a:rPr lang="en-IN" dirty="0" err="1"/>
+              <a:t>schema.bases:read</a:t>
+            </a:r>
+            <a:r>
+              <a:rPr lang="en-IN" dirty="0"/>
+              <a:t> -&gt; Access: n8n-cheques_data</a:t>
+            </a:r>
+          </a:p>
+          <a:p>
+            <a:r>
+              <a:rPr lang="en-IN" dirty="0"/>
+              <a:t>Copy the token -&gt; Come back to n8n -&gt; Select n8n -&gt; Create a record -&gt; Add details</a:t>
+            </a:r>
+          </a:p>
+          <a:p>
+            <a:r>
+              <a:rPr lang="en-IN" dirty="0"/>
+              <a:t>See next slide for all screens</a:t>
+            </a:r>
+          </a:p>
+          <a:p>
+            <a:endParaRPr lang="en-IN" dirty="0"/>
+          </a:p>
+          <a:p>
+            <a:endParaRPr lang="en-IN" noProof="0" dirty="0"/>
+          </a:p>
+        </p:txBody>
+      </p:sp>
     </p:spTree>
     <p:extLst>
       <p:ext uri="{BB962C8B-B14F-4D97-AF65-F5344CB8AC3E}">
-        <p14:creationId xmlns:p14="http://schemas.microsoft.com/office/powerpoint/2010/main" val="1132407389"/>
+        <p14:creationId xmlns:p14="http://schemas.microsoft.com/office/powerpoint/2010/main" val="2809453971"/>
       </p:ext>
     </p:extLst>
   </p:cSld>
@@ -6543,7 +7478,7 @@
           <p:cNvPr id="2" name="Title 1">
             <a:extLst>
               <a:ext uri="{FF2B5EF4-FFF2-40B4-BE49-F238E27FC236}">
-                <a16:creationId xmlns:a16="http://schemas.microsoft.com/office/drawing/2014/main" id="{D4C40B5C-8409-65C6-BA6C-1D406ABEE085}"/>
+                <a16:creationId xmlns:a16="http://schemas.microsoft.com/office/drawing/2014/main" id="{D6E2671A-1AFA-2186-F73A-D20D1AE51435}"/>
               </a:ext>
             </a:extLst>
           </p:cNvPr>
@@ -6554,119 +7489,74 @@
             <p:ph type="title"/>
           </p:nvPr>
         </p:nvSpPr>
-        <p:spPr/>
+        <p:spPr>
+          <a:xfrm>
+            <a:off x="838200" y="63795"/>
+            <a:ext cx="10515600" cy="617241"/>
+          </a:xfrm>
+        </p:spPr>
+        <p:txBody>
+          <a:bodyPr>
+            <a:normAutofit fontScale="90000"/>
+          </a:bodyPr>
+          <a:lstStyle/>
+          <a:p>
+            <a:r>
+              <a:rPr lang="en-IN" dirty="0"/>
+              <a:t>4_read_cheque (JavaScript Code – Next Slide)</a:t>
+            </a:r>
+            <a:endParaRPr lang="en-GB" dirty="0"/>
+          </a:p>
+        </p:txBody>
+      </p:sp>
+      <p:sp>
+        <p:nvSpPr>
+          <p:cNvPr id="3" name="Content Placeholder 2">
+            <a:extLst>
+              <a:ext uri="{FF2B5EF4-FFF2-40B4-BE49-F238E27FC236}">
+                <a16:creationId xmlns:a16="http://schemas.microsoft.com/office/drawing/2014/main" id="{EC60B64D-3CFF-45E9-2385-33477EDBAAA4}"/>
+              </a:ext>
+            </a:extLst>
+          </p:cNvPr>
+          <p:cNvSpPr>
+            <a:spLocks noGrp="1"/>
+          </p:cNvSpPr>
+          <p:nvPr>
+            <p:ph idx="1"/>
+          </p:nvPr>
+        </p:nvSpPr>
+        <p:spPr>
+          <a:xfrm>
+            <a:off x="838200" y="786809"/>
+            <a:ext cx="10515600" cy="5390154"/>
+          </a:xfrm>
+        </p:spPr>
         <p:txBody>
           <a:bodyPr/>
           <a:lstStyle/>
           <a:p>
-            <a:r>
-              <a:rPr lang="en-IN" noProof="0" dirty="0"/>
-              <a:t>3_webhook_search_amazon</a:t>
-            </a:r>
-          </a:p>
-        </p:txBody>
-      </p:sp>
-      <p:sp>
-        <p:nvSpPr>
-          <p:cNvPr id="3" name="Content Placeholder 2">
-            <a:extLst>
-              <a:ext uri="{FF2B5EF4-FFF2-40B4-BE49-F238E27FC236}">
-                <a16:creationId xmlns:a16="http://schemas.microsoft.com/office/drawing/2014/main" id="{92E189EB-5DA8-59D7-6ED3-F29CA5694943}"/>
-              </a:ext>
-            </a:extLst>
-          </p:cNvPr>
-          <p:cNvSpPr>
-            <a:spLocks noGrp="1"/>
-          </p:cNvSpPr>
-          <p:nvPr>
-            <p:ph idx="1"/>
-          </p:nvPr>
-        </p:nvSpPr>
-        <p:spPr/>
-        <p:txBody>
-          <a:bodyPr>
-            <a:normAutofit fontScale="77500" lnSpcReduction="20000"/>
-          </a:bodyPr>
-          <a:lstStyle/>
-          <a:p>
-            <a:r>
-              <a:rPr lang="en-IN" noProof="0" dirty="0"/>
-              <a:t>Click the run button on the Webhook</a:t>
-            </a:r>
-          </a:p>
-          <a:p>
-            <a:r>
-              <a:rPr lang="en-IN" noProof="0" dirty="0"/>
-              <a:t>It will say </a:t>
-            </a:r>
-            <a:r>
-              <a:rPr lang="en-IN" i="1" noProof="0" dirty="0"/>
-              <a:t>Waiting for the trigger event</a:t>
-            </a:r>
-            <a:endParaRPr lang="en-IN" noProof="0" dirty="0"/>
-          </a:p>
-          <a:p>
-            <a:r>
-              <a:rPr lang="en-IN" noProof="0" dirty="0"/>
-              <a:t>Double click on the Webhook and copy the URL where it is listening </a:t>
-            </a:r>
-          </a:p>
-          <a:p>
-            <a:r>
-              <a:rPr lang="en-IN" noProof="0" dirty="0"/>
-              <a:t>Open Postman (We would need local download, since for localhost, the web version does not work)</a:t>
-            </a:r>
-          </a:p>
-          <a:p>
-            <a:r>
-              <a:rPr lang="en-IN" noProof="0" dirty="0"/>
-              <a:t>In a new workspace, create POST and paste the URL</a:t>
-            </a:r>
-          </a:p>
-          <a:p>
-            <a:r>
-              <a:rPr lang="en-IN" noProof="0" dirty="0"/>
-              <a:t>Body-Raw-JSON-&gt;JSON and paste this:</a:t>
-            </a:r>
-          </a:p>
-          <a:p>
-            <a:r>
-              <a:rPr lang="en-IN" noProof="0" dirty="0"/>
-              <a:t>{</a:t>
-            </a:r>
-          </a:p>
-          <a:p>
-            <a:r>
-              <a:rPr lang="en-IN" noProof="0" dirty="0"/>
-              <a:t>    "book": "Geoffrey Hinton"</a:t>
-            </a:r>
-          </a:p>
-          <a:p>
-            <a:r>
-              <a:rPr lang="en-IN" noProof="0" dirty="0"/>
-              <a:t>}</a:t>
-            </a:r>
-          </a:p>
-          <a:p>
-            <a:r>
-              <a:rPr lang="en-IN" noProof="0" dirty="0"/>
-              <a:t>Try sending</a:t>
-            </a:r>
-          </a:p>
-          <a:p>
-            <a:r>
-              <a:rPr lang="en-IN" noProof="0" dirty="0"/>
-              <a:t>If it succeeds, come back to n8n … See next slide</a:t>
-            </a:r>
+            <a:endParaRPr lang="en-IN" dirty="0"/>
+          </a:p>
+          <a:p>
+            <a:endParaRPr lang="en-IN" dirty="0"/>
+          </a:p>
+          <a:p>
+            <a:endParaRPr lang="en-IN" dirty="0"/>
+          </a:p>
+          <a:p>
+            <a:endParaRPr lang="en-IN" dirty="0"/>
+          </a:p>
+          <a:p>
+            <a:endParaRPr lang="en-GB" dirty="0"/>
           </a:p>
         </p:txBody>
       </p:sp>
       <p:pic>
         <p:nvPicPr>
-          <p:cNvPr id="7" name="Picture 6">
-            <a:extLst>
-              <a:ext uri="{FF2B5EF4-FFF2-40B4-BE49-F238E27FC236}">
-                <a16:creationId xmlns:a16="http://schemas.microsoft.com/office/drawing/2014/main" id="{3C7CFDAB-9611-E0BF-AAC7-1B8F71787385}"/>
+          <p:cNvPr id="5" name="Picture 4">
+            <a:extLst>
+              <a:ext uri="{FF2B5EF4-FFF2-40B4-BE49-F238E27FC236}">
+                <a16:creationId xmlns:a16="http://schemas.microsoft.com/office/drawing/2014/main" id="{80B453B9-71DE-10E5-F2E2-7AF2E8117068}"/>
               </a:ext>
             </a:extLst>
           </p:cNvPr>
@@ -6683,8 +7573,128 @@
         </p:blipFill>
         <p:spPr>
           <a:xfrm>
-            <a:off x="6754882" y="1226816"/>
-            <a:ext cx="832544" cy="1197617"/>
+            <a:off x="127591" y="524212"/>
+            <a:ext cx="12192000" cy="1604285"/>
+          </a:xfrm>
+          <a:prstGeom prst="rect">
+            <a:avLst/>
+          </a:prstGeom>
+        </p:spPr>
+      </p:pic>
+      <p:pic>
+        <p:nvPicPr>
+          <p:cNvPr id="7" name="Picture 6">
+            <a:extLst>
+              <a:ext uri="{FF2B5EF4-FFF2-40B4-BE49-F238E27FC236}">
+                <a16:creationId xmlns:a16="http://schemas.microsoft.com/office/drawing/2014/main" id="{09BF75EF-7639-1AFF-066E-D5DBE84B61AC}"/>
+              </a:ext>
+            </a:extLst>
+          </p:cNvPr>
+          <p:cNvPicPr>
+            <a:picLocks noChangeAspect="1"/>
+          </p:cNvPicPr>
+          <p:nvPr/>
+        </p:nvPicPr>
+        <p:blipFill>
+          <a:blip r:embed="rId3"/>
+          <a:stretch>
+            <a:fillRect/>
+          </a:stretch>
+        </p:blipFill>
+        <p:spPr>
+          <a:xfrm>
+            <a:off x="127591" y="2071301"/>
+            <a:ext cx="2686496" cy="4568455"/>
+          </a:xfrm>
+          <a:prstGeom prst="rect">
+            <a:avLst/>
+          </a:prstGeom>
+        </p:spPr>
+      </p:pic>
+      <p:pic>
+        <p:nvPicPr>
+          <p:cNvPr id="9" name="Picture 8">
+            <a:extLst>
+              <a:ext uri="{FF2B5EF4-FFF2-40B4-BE49-F238E27FC236}">
+                <a16:creationId xmlns:a16="http://schemas.microsoft.com/office/drawing/2014/main" id="{ECC94661-F04D-97CA-8491-7EFA2E282C07}"/>
+              </a:ext>
+            </a:extLst>
+          </p:cNvPr>
+          <p:cNvPicPr>
+            <a:picLocks noChangeAspect="1"/>
+          </p:cNvPicPr>
+          <p:nvPr/>
+        </p:nvPicPr>
+        <p:blipFill>
+          <a:blip r:embed="rId4"/>
+          <a:stretch>
+            <a:fillRect/>
+          </a:stretch>
+        </p:blipFill>
+        <p:spPr>
+          <a:xfrm>
+            <a:off x="2814087" y="2113051"/>
+            <a:ext cx="2991876" cy="4079358"/>
+          </a:xfrm>
+          <a:prstGeom prst="rect">
+            <a:avLst/>
+          </a:prstGeom>
+        </p:spPr>
+      </p:pic>
+      <p:pic>
+        <p:nvPicPr>
+          <p:cNvPr id="11" name="Picture 10">
+            <a:extLst>
+              <a:ext uri="{FF2B5EF4-FFF2-40B4-BE49-F238E27FC236}">
+                <a16:creationId xmlns:a16="http://schemas.microsoft.com/office/drawing/2014/main" id="{7EBF85C1-441B-BC00-45CA-C6739A0E8D78}"/>
+              </a:ext>
+            </a:extLst>
+          </p:cNvPr>
+          <p:cNvPicPr>
+            <a:picLocks noChangeAspect="1"/>
+          </p:cNvPicPr>
+          <p:nvPr/>
+        </p:nvPicPr>
+        <p:blipFill>
+          <a:blip r:embed="rId5"/>
+          <a:stretch>
+            <a:fillRect/>
+          </a:stretch>
+        </p:blipFill>
+        <p:spPr>
+          <a:xfrm>
+            <a:off x="5805963" y="2063269"/>
+            <a:ext cx="2597722" cy="4794731"/>
+          </a:xfrm>
+          <a:prstGeom prst="rect">
+            <a:avLst/>
+          </a:prstGeom>
+        </p:spPr>
+      </p:pic>
+      <p:pic>
+        <p:nvPicPr>
+          <p:cNvPr id="13" name="Picture 12">
+            <a:extLst>
+              <a:ext uri="{FF2B5EF4-FFF2-40B4-BE49-F238E27FC236}">
+                <a16:creationId xmlns:a16="http://schemas.microsoft.com/office/drawing/2014/main" id="{9906615A-2ACA-3C5F-E76F-398EC5DE0252}"/>
+              </a:ext>
+            </a:extLst>
+          </p:cNvPr>
+          <p:cNvPicPr>
+            <a:picLocks noChangeAspect="1"/>
+          </p:cNvPicPr>
+          <p:nvPr/>
+        </p:nvPicPr>
+        <p:blipFill>
+          <a:blip r:embed="rId6"/>
+          <a:stretch>
+            <a:fillRect/>
+          </a:stretch>
+        </p:blipFill>
+        <p:spPr>
+          <a:xfrm>
+            <a:off x="8870106" y="2128497"/>
+            <a:ext cx="2891470" cy="5044584"/>
           </a:xfrm>
           <a:prstGeom prst="rect">
             <a:avLst/>
@@ -6694,7 +7704,7 @@
     </p:spTree>
     <p:extLst>
       <p:ext uri="{BB962C8B-B14F-4D97-AF65-F5344CB8AC3E}">
-        <p14:creationId xmlns:p14="http://schemas.microsoft.com/office/powerpoint/2010/main" val="1566588147"/>
+        <p14:creationId xmlns:p14="http://schemas.microsoft.com/office/powerpoint/2010/main" val="3055342878"/>
       </p:ext>
     </p:extLst>
   </p:cSld>
@@ -6709,13 +7719,7 @@
   <p:cSld>
     <p:spTree>
       <p:nvGrpSpPr>
-        <p:cNvPr id="1" name="">
-          <a:extLst>
-            <a:ext uri="{FF2B5EF4-FFF2-40B4-BE49-F238E27FC236}">
-              <a16:creationId xmlns:a16="http://schemas.microsoft.com/office/drawing/2014/main" id="{A9480C6E-959B-0157-D4D0-7DD24499DF40}"/>
-            </a:ext>
-          </a:extLst>
-        </p:cNvPr>
+        <p:cNvPr id="1" name=""/>
         <p:cNvGrpSpPr/>
         <p:nvPr/>
       </p:nvGrpSpPr>
@@ -6732,7 +7736,7 @@
           <p:cNvPr id="2" name="Title 1">
             <a:extLst>
               <a:ext uri="{FF2B5EF4-FFF2-40B4-BE49-F238E27FC236}">
-                <a16:creationId xmlns:a16="http://schemas.microsoft.com/office/drawing/2014/main" id="{1E621433-C1F4-01A2-74DF-FDA06CF31D01}"/>
+                <a16:creationId xmlns:a16="http://schemas.microsoft.com/office/drawing/2014/main" id="{89237E94-D5FF-630D-4C21-227236906CC2}"/>
               </a:ext>
             </a:extLst>
           </p:cNvPr>
@@ -6749,9 +7753,10 @@
           <a:lstStyle/>
           <a:p>
             <a:r>
-              <a:rPr lang="en-IN" noProof="0" dirty="0"/>
-              <a:t>3_webhook_search_amazon</a:t>
-            </a:r>
+              <a:rPr lang="en-IN" dirty="0"/>
+              <a:t>4_cheque</a:t>
+            </a:r>
+            <a:endParaRPr lang="en-GB" dirty="0"/>
           </a:p>
         </p:txBody>
       </p:sp>
@@ -6760,7 +7765,7 @@
           <p:cNvPr id="3" name="Content Placeholder 2">
             <a:extLst>
               <a:ext uri="{FF2B5EF4-FFF2-40B4-BE49-F238E27FC236}">
-                <a16:creationId xmlns:a16="http://schemas.microsoft.com/office/drawing/2014/main" id="{13F8DC0A-D832-E015-F1C3-706A5847702F}"/>
+                <a16:creationId xmlns:a16="http://schemas.microsoft.com/office/drawing/2014/main" id="{6DE10A63-1393-65CD-3CA4-116026273C6B}"/>
               </a:ext>
             </a:extLst>
           </p:cNvPr>
@@ -6774,59 +7779,662 @@
         <p:spPr/>
         <p:txBody>
           <a:bodyPr>
-            <a:normAutofit/>
+            <a:normAutofit fontScale="25000" lnSpcReduction="20000"/>
           </a:bodyPr>
           <a:lstStyle/>
           <a:p>
             <a:r>
-              <a:rPr lang="en-IN" noProof="0" dirty="0"/>
-              <a:t>Now drag the </a:t>
-            </a:r>
-            <a:r>
-              <a:rPr lang="en-IN" i="1" noProof="0" dirty="0"/>
-              <a:t>body</a:t>
-            </a:r>
-            <a:r>
-              <a:rPr lang="en-IN" noProof="0" dirty="0"/>
-              <a:t> of Webhook to Amazon Search and do a test</a:t>
-            </a:r>
-          </a:p>
-        </p:txBody>
-      </p:sp>
-      <p:pic>
-        <p:nvPicPr>
-          <p:cNvPr id="5" name="Picture 4">
-            <a:extLst>
-              <a:ext uri="{FF2B5EF4-FFF2-40B4-BE49-F238E27FC236}">
-                <a16:creationId xmlns:a16="http://schemas.microsoft.com/office/drawing/2014/main" id="{29452EA5-9881-9915-6E40-F352CA8F09A5}"/>
-              </a:ext>
-            </a:extLst>
-          </p:cNvPr>
-          <p:cNvPicPr>
-            <a:picLocks noChangeAspect="1"/>
-          </p:cNvPicPr>
-          <p:nvPr/>
-        </p:nvPicPr>
-        <p:blipFill>
-          <a:blip r:embed="rId2"/>
-          <a:stretch>
-            <a:fillRect/>
-          </a:stretch>
-        </p:blipFill>
-        <p:spPr>
-          <a:xfrm>
-            <a:off x="1123805" y="2489663"/>
-            <a:ext cx="7444353" cy="4368337"/>
-          </a:xfrm>
-          <a:prstGeom prst="rect">
-            <a:avLst/>
-          </a:prstGeom>
-        </p:spPr>
-      </p:pic>
+              <a:rPr lang="en-GB" dirty="0"/>
+              <a:t>// -------------------------------------------</a:t>
+            </a:r>
+          </a:p>
+          <a:p>
+            <a:r>
+              <a:rPr lang="en-GB" dirty="0"/>
+              <a:t>// 1. READ TEXT FROM YOUR JSON STRUCTURE</a:t>
+            </a:r>
+          </a:p>
+          <a:p>
+            <a:r>
+              <a:rPr lang="en-GB" dirty="0"/>
+              <a:t>// -------------------------------------------</a:t>
+            </a:r>
+          </a:p>
+          <a:p>
+            <a:r>
+              <a:rPr lang="en-GB" dirty="0" err="1"/>
+              <a:t>const</a:t>
+            </a:r>
+            <a:r>
+              <a:rPr lang="en-GB" dirty="0"/>
+              <a:t> text =</a:t>
+            </a:r>
+          </a:p>
+          <a:p>
+            <a:r>
+              <a:rPr lang="en-GB" dirty="0"/>
+              <a:t>  item.</a:t>
+            </a:r>
+            <a:r>
+              <a:rPr lang="en-GB" dirty="0" err="1"/>
+              <a:t>json</a:t>
+            </a:r>
+            <a:r>
+              <a:rPr lang="en-GB" dirty="0"/>
+              <a:t>?.candidates?.[0]?.</a:t>
+            </a:r>
+            <a:r>
+              <a:rPr lang="en-GB" dirty="0" err="1"/>
+              <a:t>content?.parts</a:t>
+            </a:r>
+            <a:r>
+              <a:rPr lang="en-GB" dirty="0"/>
+              <a:t>?.[0]?.text || "";</a:t>
+            </a:r>
+          </a:p>
+          <a:p>
+            <a:endParaRPr lang="en-GB" dirty="0"/>
+          </a:p>
+          <a:p>
+            <a:r>
+              <a:rPr lang="en-GB" dirty="0"/>
+              <a:t>// -------------------------------------------</a:t>
+            </a:r>
+          </a:p>
+          <a:p>
+            <a:r>
+              <a:rPr lang="en-GB" dirty="0"/>
+              <a:t>// 2. SPLIT INTO LINES</a:t>
+            </a:r>
+          </a:p>
+          <a:p>
+            <a:r>
+              <a:rPr lang="en-GB" dirty="0"/>
+              <a:t>// -------------------------------------------</a:t>
+            </a:r>
+          </a:p>
+          <a:p>
+            <a:r>
+              <a:rPr lang="en-GB" dirty="0" err="1"/>
+              <a:t>const</a:t>
+            </a:r>
+            <a:r>
+              <a:rPr lang="en-GB" dirty="0"/>
+              <a:t> lines = </a:t>
+            </a:r>
+            <a:r>
+              <a:rPr lang="en-GB" dirty="0" err="1"/>
+              <a:t>text.split</a:t>
+            </a:r>
+            <a:r>
+              <a:rPr lang="en-GB" dirty="0"/>
+              <a:t>("\n");</a:t>
+            </a:r>
+          </a:p>
+          <a:p>
+            <a:endParaRPr lang="en-GB" dirty="0"/>
+          </a:p>
+          <a:p>
+            <a:r>
+              <a:rPr lang="en-GB" dirty="0"/>
+              <a:t>function </a:t>
+            </a:r>
+            <a:r>
+              <a:rPr lang="en-GB" dirty="0" err="1"/>
+              <a:t>getValue</a:t>
+            </a:r>
+            <a:r>
+              <a:rPr lang="en-GB" dirty="0"/>
+              <a:t>(label) {</a:t>
+            </a:r>
+          </a:p>
+          <a:p>
+            <a:r>
+              <a:rPr lang="en-GB" dirty="0"/>
+              <a:t>  </a:t>
+            </a:r>
+            <a:r>
+              <a:rPr lang="en-GB" dirty="0" err="1"/>
+              <a:t>const</a:t>
+            </a:r>
+            <a:r>
+              <a:rPr lang="en-GB" dirty="0"/>
+              <a:t> line = </a:t>
+            </a:r>
+            <a:r>
+              <a:rPr lang="en-GB" dirty="0" err="1"/>
+              <a:t>lines.find</a:t>
+            </a:r>
+            <a:r>
+              <a:rPr lang="en-GB" dirty="0"/>
+              <a:t>(</a:t>
+            </a:r>
+          </a:p>
+          <a:p>
+            <a:r>
+              <a:rPr lang="en-GB" dirty="0"/>
+              <a:t>    l =&gt; </a:t>
+            </a:r>
+            <a:r>
+              <a:rPr lang="en-GB" dirty="0" err="1"/>
+              <a:t>l.toLowerCase</a:t>
+            </a:r>
+            <a:r>
+              <a:rPr lang="en-GB" dirty="0"/>
+              <a:t>().</a:t>
+            </a:r>
+            <a:r>
+              <a:rPr lang="en-GB" dirty="0" err="1"/>
+              <a:t>startsWith</a:t>
+            </a:r>
+            <a:r>
+              <a:rPr lang="en-GB" dirty="0"/>
+              <a:t>(</a:t>
+            </a:r>
+            <a:r>
+              <a:rPr lang="en-GB" dirty="0" err="1"/>
+              <a:t>label.toLowerCase</a:t>
+            </a:r>
+            <a:r>
+              <a:rPr lang="en-GB" dirty="0"/>
+              <a:t>())</a:t>
+            </a:r>
+          </a:p>
+          <a:p>
+            <a:r>
+              <a:rPr lang="en-GB" dirty="0"/>
+              <a:t>  );</a:t>
+            </a:r>
+          </a:p>
+          <a:p>
+            <a:r>
+              <a:rPr lang="en-GB" dirty="0"/>
+              <a:t>  if (!line) return "";</a:t>
+            </a:r>
+          </a:p>
+          <a:p>
+            <a:r>
+              <a:rPr lang="en-GB" dirty="0"/>
+              <a:t>  return </a:t>
+            </a:r>
+            <a:r>
+              <a:rPr lang="en-GB" dirty="0" err="1"/>
+              <a:t>line.split</a:t>
+            </a:r>
+            <a:r>
+              <a:rPr lang="en-GB" dirty="0"/>
+              <a:t>(":")[1].trim();</a:t>
+            </a:r>
+          </a:p>
+          <a:p>
+            <a:r>
+              <a:rPr lang="en-GB" dirty="0"/>
+              <a:t>}</a:t>
+            </a:r>
+          </a:p>
+          <a:p>
+            <a:endParaRPr lang="en-GB" dirty="0"/>
+          </a:p>
+          <a:p>
+            <a:r>
+              <a:rPr lang="en-GB" dirty="0"/>
+              <a:t>// -------------------------------------------</a:t>
+            </a:r>
+          </a:p>
+          <a:p>
+            <a:r>
+              <a:rPr lang="en-GB" dirty="0"/>
+              <a:t>// 3. EXTRACT FIELDS</a:t>
+            </a:r>
+          </a:p>
+          <a:p>
+            <a:r>
+              <a:rPr lang="en-GB" dirty="0"/>
+              <a:t>// -------------------------------------------</a:t>
+            </a:r>
+          </a:p>
+          <a:p>
+            <a:r>
+              <a:rPr lang="en-GB" dirty="0" err="1"/>
+              <a:t>const</a:t>
+            </a:r>
+            <a:r>
+              <a:rPr lang="en-GB" dirty="0"/>
+              <a:t> payer = </a:t>
+            </a:r>
+            <a:r>
+              <a:rPr lang="en-GB" dirty="0" err="1"/>
+              <a:t>getValue</a:t>
+            </a:r>
+            <a:r>
+              <a:rPr lang="en-GB" dirty="0"/>
+              <a:t>("Payer name");</a:t>
+            </a:r>
+          </a:p>
+          <a:p>
+            <a:r>
+              <a:rPr lang="en-GB" dirty="0" err="1"/>
+              <a:t>const</a:t>
+            </a:r>
+            <a:r>
+              <a:rPr lang="en-GB" dirty="0"/>
+              <a:t> payee = </a:t>
+            </a:r>
+            <a:r>
+              <a:rPr lang="en-GB" dirty="0" err="1"/>
+              <a:t>getValue</a:t>
+            </a:r>
+            <a:r>
+              <a:rPr lang="en-GB" dirty="0"/>
+              <a:t>("Payee name");</a:t>
+            </a:r>
+          </a:p>
+          <a:p>
+            <a:endParaRPr lang="en-GB" dirty="0"/>
+          </a:p>
+          <a:p>
+            <a:r>
+              <a:rPr lang="en-GB" dirty="0"/>
+              <a:t>// Amount</a:t>
+            </a:r>
+          </a:p>
+          <a:p>
+            <a:r>
+              <a:rPr lang="en-GB" dirty="0"/>
+              <a:t>let </a:t>
+            </a:r>
+            <a:r>
+              <a:rPr lang="en-GB" dirty="0" err="1"/>
+              <a:t>amountRaw</a:t>
+            </a:r>
+            <a:r>
+              <a:rPr lang="en-GB" dirty="0"/>
+              <a:t> = </a:t>
+            </a:r>
+            <a:r>
+              <a:rPr lang="en-GB" dirty="0" err="1"/>
+              <a:t>getValue</a:t>
+            </a:r>
+            <a:r>
+              <a:rPr lang="en-GB" dirty="0"/>
+              <a:t>("Amount");</a:t>
+            </a:r>
+          </a:p>
+          <a:p>
+            <a:r>
+              <a:rPr lang="en-GB" dirty="0"/>
+              <a:t>let amount = null;</a:t>
+            </a:r>
+          </a:p>
+          <a:p>
+            <a:r>
+              <a:rPr lang="en-GB" dirty="0"/>
+              <a:t>if (</a:t>
+            </a:r>
+            <a:r>
+              <a:rPr lang="en-GB" dirty="0" err="1"/>
+              <a:t>amountRaw</a:t>
+            </a:r>
+            <a:r>
+              <a:rPr lang="en-GB" dirty="0"/>
+              <a:t>) {</a:t>
+            </a:r>
+          </a:p>
+          <a:p>
+            <a:r>
+              <a:rPr lang="en-GB" dirty="0"/>
+              <a:t>  amount = </a:t>
+            </a:r>
+            <a:r>
+              <a:rPr lang="en-GB" dirty="0" err="1"/>
+              <a:t>parseFloat</a:t>
+            </a:r>
+            <a:r>
+              <a:rPr lang="en-GB" dirty="0"/>
+              <a:t>(</a:t>
+            </a:r>
+            <a:r>
+              <a:rPr lang="en-GB" dirty="0" err="1"/>
+              <a:t>amountRaw.replace</a:t>
+            </a:r>
+            <a:r>
+              <a:rPr lang="en-GB" dirty="0"/>
+              <a:t>(/,/g, "").trim());</a:t>
+            </a:r>
+          </a:p>
+          <a:p>
+            <a:r>
+              <a:rPr lang="en-GB" dirty="0"/>
+              <a:t>}</a:t>
+            </a:r>
+          </a:p>
+          <a:p>
+            <a:endParaRPr lang="en-GB" dirty="0"/>
+          </a:p>
+          <a:p>
+            <a:r>
+              <a:rPr lang="en-GB" dirty="0"/>
+              <a:t>// -------------------------------------------</a:t>
+            </a:r>
+          </a:p>
+          <a:p>
+            <a:r>
+              <a:rPr lang="en-GB" dirty="0"/>
+              <a:t>// 4. DATE FORMAT FIX</a:t>
+            </a:r>
+          </a:p>
+          <a:p>
+            <a:r>
+              <a:rPr lang="en-GB" dirty="0"/>
+              <a:t>// -------------------------------------------</a:t>
+            </a:r>
+          </a:p>
+          <a:p>
+            <a:r>
+              <a:rPr lang="en-GB" dirty="0"/>
+              <a:t>function </a:t>
+            </a:r>
+            <a:r>
+              <a:rPr lang="en-GB" dirty="0" err="1"/>
+              <a:t>formatDate</a:t>
+            </a:r>
+            <a:r>
+              <a:rPr lang="en-GB" dirty="0"/>
+              <a:t>(d) {</a:t>
+            </a:r>
+          </a:p>
+          <a:p>
+            <a:r>
+              <a:rPr lang="en-GB" dirty="0"/>
+              <a:t>  if (!d) return null;</a:t>
+            </a:r>
+          </a:p>
+          <a:p>
+            <a:endParaRPr lang="en-GB" dirty="0"/>
+          </a:p>
+          <a:p>
+            <a:r>
+              <a:rPr lang="en-GB" dirty="0"/>
+              <a:t>  // Already ISO YYYY-MM-DD</a:t>
+            </a:r>
+          </a:p>
+          <a:p>
+            <a:r>
+              <a:rPr lang="en-GB" dirty="0"/>
+              <a:t>  if (/^\d{4}-\d{2}-\d{2}$/.test(d)) return d;</a:t>
+            </a:r>
+          </a:p>
+          <a:p>
+            <a:endParaRPr lang="en-GB" dirty="0"/>
+          </a:p>
+          <a:p>
+            <a:r>
+              <a:rPr lang="en-GB" dirty="0"/>
+              <a:t>  // DD/MM/YYYY or DD-MM-YYYY</a:t>
+            </a:r>
+          </a:p>
+          <a:p>
+            <a:r>
+              <a:rPr lang="en-GB" dirty="0"/>
+              <a:t>  </a:t>
+            </a:r>
+            <a:r>
+              <a:rPr lang="en-GB" dirty="0" err="1"/>
+              <a:t>const</a:t>
+            </a:r>
+            <a:r>
+              <a:rPr lang="en-GB" dirty="0"/>
+              <a:t> m = </a:t>
+            </a:r>
+            <a:r>
+              <a:rPr lang="en-GB" dirty="0" err="1"/>
+              <a:t>d.match</a:t>
+            </a:r>
+            <a:r>
+              <a:rPr lang="en-GB" dirty="0"/>
+              <a:t>(/(\d{1,2})[\/-](\d{1,2})[\/-](\d{4})/);</a:t>
+            </a:r>
+          </a:p>
+          <a:p>
+            <a:r>
+              <a:rPr lang="en-GB" dirty="0"/>
+              <a:t>  if (m) {</a:t>
+            </a:r>
+          </a:p>
+          <a:p>
+            <a:r>
+              <a:rPr lang="en-GB" dirty="0"/>
+              <a:t>    </a:t>
+            </a:r>
+            <a:r>
+              <a:rPr lang="en-GB" dirty="0" err="1"/>
+              <a:t>const</a:t>
+            </a:r>
+            <a:r>
+              <a:rPr lang="en-GB" dirty="0"/>
+              <a:t> [_, dd, mm, </a:t>
+            </a:r>
+            <a:r>
+              <a:rPr lang="en-GB" dirty="0" err="1"/>
+              <a:t>yy</a:t>
+            </a:r>
+            <a:r>
+              <a:rPr lang="en-GB" dirty="0"/>
+              <a:t>] = m;</a:t>
+            </a:r>
+          </a:p>
+          <a:p>
+            <a:r>
+              <a:rPr lang="en-GB" dirty="0"/>
+              <a:t>    return `${</a:t>
+            </a:r>
+            <a:r>
+              <a:rPr lang="en-GB" dirty="0" err="1"/>
+              <a:t>yy</a:t>
+            </a:r>
+            <a:r>
+              <a:rPr lang="en-GB" dirty="0"/>
+              <a:t>}-${</a:t>
+            </a:r>
+            <a:r>
+              <a:rPr lang="en-GB" dirty="0" err="1"/>
+              <a:t>mm.padStart</a:t>
+            </a:r>
+            <a:r>
+              <a:rPr lang="en-GB" dirty="0"/>
+              <a:t>(2, "0")}-${</a:t>
+            </a:r>
+            <a:r>
+              <a:rPr lang="en-GB" dirty="0" err="1"/>
+              <a:t>dd.padStart</a:t>
+            </a:r>
+            <a:r>
+              <a:rPr lang="en-GB" dirty="0"/>
+              <a:t>(2, "0")}`;</a:t>
+            </a:r>
+          </a:p>
+          <a:p>
+            <a:r>
+              <a:rPr lang="en-GB" dirty="0"/>
+              <a:t>  }</a:t>
+            </a:r>
+          </a:p>
+          <a:p>
+            <a:endParaRPr lang="en-GB" dirty="0"/>
+          </a:p>
+          <a:p>
+            <a:r>
+              <a:rPr lang="en-GB" dirty="0"/>
+              <a:t>  return null;</a:t>
+            </a:r>
+          </a:p>
+          <a:p>
+            <a:r>
+              <a:rPr lang="en-GB" dirty="0"/>
+              <a:t>}</a:t>
+            </a:r>
+          </a:p>
+          <a:p>
+            <a:endParaRPr lang="en-GB" dirty="0"/>
+          </a:p>
+          <a:p>
+            <a:r>
+              <a:rPr lang="en-GB" dirty="0" err="1"/>
+              <a:t>const</a:t>
+            </a:r>
+            <a:r>
+              <a:rPr lang="en-GB" dirty="0"/>
+              <a:t> </a:t>
+            </a:r>
+            <a:r>
+              <a:rPr lang="en-GB" dirty="0" err="1"/>
+              <a:t>cheque_date</a:t>
+            </a:r>
+            <a:r>
+              <a:rPr lang="en-GB" dirty="0"/>
+              <a:t> = </a:t>
+            </a:r>
+            <a:r>
+              <a:rPr lang="en-GB" dirty="0" err="1"/>
+              <a:t>formatDate</a:t>
+            </a:r>
+            <a:r>
+              <a:rPr lang="en-GB" dirty="0"/>
+              <a:t>(</a:t>
+            </a:r>
+            <a:r>
+              <a:rPr lang="en-GB" dirty="0" err="1"/>
+              <a:t>getValue</a:t>
+            </a:r>
+            <a:r>
+              <a:rPr lang="en-GB" dirty="0"/>
+              <a:t>("Date"));</a:t>
+            </a:r>
+          </a:p>
+          <a:p>
+            <a:r>
+              <a:rPr lang="en-GB" dirty="0" err="1"/>
+              <a:t>const</a:t>
+            </a:r>
+            <a:r>
+              <a:rPr lang="en-GB" dirty="0"/>
+              <a:t> bank = </a:t>
+            </a:r>
+            <a:r>
+              <a:rPr lang="en-GB" dirty="0" err="1"/>
+              <a:t>getValue</a:t>
+            </a:r>
+            <a:r>
+              <a:rPr lang="en-GB" dirty="0"/>
+              <a:t>("Bank");</a:t>
+            </a:r>
+          </a:p>
+          <a:p>
+            <a:endParaRPr lang="en-GB" dirty="0"/>
+          </a:p>
+          <a:p>
+            <a:r>
+              <a:rPr lang="en-GB" dirty="0"/>
+              <a:t>// -------------------------------------------</a:t>
+            </a:r>
+          </a:p>
+          <a:p>
+            <a:r>
+              <a:rPr lang="en-GB" dirty="0"/>
+              <a:t>// 5. RETURN CLEAN JSON (ALL FIELDS AT TOP LEVEL)</a:t>
+            </a:r>
+          </a:p>
+          <a:p>
+            <a:r>
+              <a:rPr lang="en-GB" dirty="0"/>
+              <a:t>// -------------------------------------------</a:t>
+            </a:r>
+          </a:p>
+          <a:p>
+            <a:r>
+              <a:rPr lang="en-GB" dirty="0"/>
+              <a:t>return {</a:t>
+            </a:r>
+          </a:p>
+          <a:p>
+            <a:r>
+              <a:rPr lang="en-GB" dirty="0"/>
+              <a:t>  </a:t>
+            </a:r>
+            <a:r>
+              <a:rPr lang="en-GB" dirty="0" err="1"/>
+              <a:t>json</a:t>
+            </a:r>
+            <a:r>
+              <a:rPr lang="en-GB" dirty="0"/>
+              <a:t>: {</a:t>
+            </a:r>
+          </a:p>
+          <a:p>
+            <a:r>
+              <a:rPr lang="en-GB" dirty="0"/>
+              <a:t>    payer,</a:t>
+            </a:r>
+          </a:p>
+          <a:p>
+            <a:r>
+              <a:rPr lang="en-GB" dirty="0"/>
+              <a:t>    payee,</a:t>
+            </a:r>
+          </a:p>
+          <a:p>
+            <a:r>
+              <a:rPr lang="en-GB" dirty="0"/>
+              <a:t>    amount,</a:t>
+            </a:r>
+          </a:p>
+          <a:p>
+            <a:r>
+              <a:rPr lang="en-GB" dirty="0"/>
+              <a:t>    bank,</a:t>
+            </a:r>
+          </a:p>
+          <a:p>
+            <a:r>
+              <a:rPr lang="en-GB" dirty="0"/>
+              <a:t>    </a:t>
+            </a:r>
+            <a:r>
+              <a:rPr lang="en-GB" dirty="0" err="1"/>
+              <a:t>cheque_date</a:t>
+            </a:r>
+            <a:r>
+              <a:rPr lang="en-GB" dirty="0"/>
+              <a:t>,   // date at top level</a:t>
+            </a:r>
+          </a:p>
+          <a:p>
+            <a:r>
+              <a:rPr lang="en-GB" dirty="0"/>
+              <a:t>    raw: text</a:t>
+            </a:r>
+          </a:p>
+          <a:p>
+            <a:r>
+              <a:rPr lang="en-GB" dirty="0"/>
+              <a:t>  }</a:t>
+            </a:r>
+          </a:p>
+          <a:p>
+            <a:r>
+              <a:rPr lang="en-GB" dirty="0"/>
+              <a:t>};</a:t>
+            </a:r>
+          </a:p>
+          <a:p>
+            <a:endParaRPr lang="en-GB" dirty="0"/>
+          </a:p>
+        </p:txBody>
+      </p:sp>
     </p:spTree>
     <p:extLst>
       <p:ext uri="{BB962C8B-B14F-4D97-AF65-F5344CB8AC3E}">
-        <p14:creationId xmlns:p14="http://schemas.microsoft.com/office/powerpoint/2010/main" val="1185496512"/>
+        <p14:creationId xmlns:p14="http://schemas.microsoft.com/office/powerpoint/2010/main" val="3423359509"/>
       </p:ext>
     </p:extLst>
   </p:cSld>
